--- a/images/theory_analysis/SSL,TLS/SSL,TLS.pptx
+++ b/images/theory_analysis/SSL,TLS/SSL,TLS.pptx
@@ -5,11 +5,12 @@
     <p:sldMasterId id="2147483648" r:id="rId1"/>
   </p:sldMasterIdLst>
   <p:notesMasterIdLst>
-    <p:notesMasterId r:id="rId4"/>
+    <p:notesMasterId r:id="rId5"/>
   </p:notesMasterIdLst>
   <p:sldIdLst>
     <p:sldId id="357" r:id="rId2"/>
     <p:sldId id="358" r:id="rId3"/>
+    <p:sldId id="359" r:id="rId4"/>
   </p:sldIdLst>
   <p:sldSz cx="9144000" cy="5143500" type="screen16x9"/>
   <p:notesSz cx="6858000" cy="9144000"/>
@@ -110,7 +111,7 @@
   </p:defaultTextStyle>
   <p:extLst>
     <p:ext uri="{EFAFB233-063F-42B5-8137-9DF3F51BA10A}">
-      <p15:sldGuideLst xmlns="" xmlns:p15="http://schemas.microsoft.com/office/powerpoint/2012/main">
+      <p15:sldGuideLst xmlns:p15="http://schemas.microsoft.com/office/powerpoint/2012/main" xmlns="">
         <p15:guide id="1" orient="horz" pos="2160">
           <p15:clr>
             <a:srgbClr val="A4A3A4"/>
@@ -214,7 +215,7 @@
           <a:p>
             <a:fld id="{6CD5550B-26C4-49A9-A5BA-636EF7BE6CE9}" type="datetimeFigureOut">
               <a:rPr lang="ko-KR" altLang="en-US" smtClean="0"/>
-              <a:t>2018-10-15</a:t>
+              <a:t>2018-10-22</a:t>
             </a:fld>
             <a:endParaRPr lang="ko-KR" altLang="en-US"/>
           </a:p>
@@ -649,6 +650,90 @@
 </p:notes>
 </file>
 
+<file path=ppt/notesSlides/notesSlide3.xml><?xml version="1.0" encoding="utf-8"?>
+<p:notes xmlns:a="http://schemas.openxmlformats.org/drawingml/2006/main" xmlns:r="http://schemas.openxmlformats.org/officeDocument/2006/relationships" xmlns:p="http://schemas.openxmlformats.org/presentationml/2006/main">
+  <p:cSld>
+    <p:spTree>
+      <p:nvGrpSpPr>
+        <p:cNvPr id="1" name=""/>
+        <p:cNvGrpSpPr/>
+        <p:nvPr/>
+      </p:nvGrpSpPr>
+      <p:grpSpPr>
+        <a:xfrm>
+          <a:off x="0" y="0"/>
+          <a:ext cx="0" cy="0"/>
+          <a:chOff x="0" y="0"/>
+          <a:chExt cx="0" cy="0"/>
+        </a:xfrm>
+      </p:grpSpPr>
+      <p:sp>
+        <p:nvSpPr>
+          <p:cNvPr id="2" name="슬라이드 이미지 개체 틀 1"/>
+          <p:cNvSpPr>
+            <a:spLocks noGrp="1" noRot="1" noChangeAspect="1"/>
+          </p:cNvSpPr>
+          <p:nvPr>
+            <p:ph type="sldImg"/>
+          </p:nvPr>
+        </p:nvSpPr>
+        <p:spPr/>
+      </p:sp>
+      <p:sp>
+        <p:nvSpPr>
+          <p:cNvPr id="3" name="슬라이드 노트 개체 틀 2"/>
+          <p:cNvSpPr>
+            <a:spLocks noGrp="1"/>
+          </p:cNvSpPr>
+          <p:nvPr>
+            <p:ph type="body" idx="1"/>
+          </p:nvPr>
+        </p:nvSpPr>
+        <p:spPr/>
+        <p:txBody>
+          <a:bodyPr/>
+          <a:lstStyle/>
+          <a:p>
+            <a:endParaRPr lang="ko-KR" altLang="en-US" dirty="0"/>
+          </a:p>
+        </p:txBody>
+      </p:sp>
+      <p:sp>
+        <p:nvSpPr>
+          <p:cNvPr id="4" name="슬라이드 번호 개체 틀 3"/>
+          <p:cNvSpPr>
+            <a:spLocks noGrp="1"/>
+          </p:cNvSpPr>
+          <p:nvPr>
+            <p:ph type="sldNum" sz="quarter" idx="10"/>
+          </p:nvPr>
+        </p:nvSpPr>
+        <p:spPr/>
+        <p:txBody>
+          <a:bodyPr/>
+          <a:lstStyle/>
+          <a:p>
+            <a:fld id="{BA5DFA43-8D57-47FB-BC46-057616015C3B}" type="slidenum">
+              <a:rPr lang="ko-KR" altLang="en-US" smtClean="0"/>
+              <a:t>3</a:t>
+            </a:fld>
+            <a:endParaRPr lang="ko-KR" altLang="en-US"/>
+          </a:p>
+        </p:txBody>
+      </p:sp>
+    </p:spTree>
+    <p:extLst>
+      <p:ext uri="{BB962C8B-B14F-4D97-AF65-F5344CB8AC3E}">
+        <p14:creationId xmlns:p14="http://schemas.microsoft.com/office/powerpoint/2010/main" val="2887953239"/>
+      </p:ext>
+    </p:extLst>
+  </p:cSld>
+  <p:clrMapOvr>
+    <a:masterClrMapping/>
+  </p:clrMapOvr>
+</p:notes>
+</file>
+
 <file path=ppt/slideLayouts/slideLayout1.xml><?xml version="1.0" encoding="utf-8"?>
 <p:sldLayout xmlns:a="http://schemas.openxmlformats.org/drawingml/2006/main" xmlns:r="http://schemas.openxmlformats.org/officeDocument/2006/relationships" xmlns:p="http://schemas.openxmlformats.org/presentationml/2006/main" type="title" preserve="1">
   <p:cSld name="제목 슬라이드">
@@ -828,7 +913,7 @@
           <a:p>
             <a:fld id="{FB30EDBD-1C2D-4C1E-B459-B60219FAB484}" type="datetimeFigureOut">
               <a:rPr lang="ko-KR" altLang="en-US" smtClean="0"/>
-              <a:t>2018-10-15</a:t>
+              <a:t>2018-10-22</a:t>
             </a:fld>
             <a:endParaRPr lang="ko-KR" altLang="en-US"/>
           </a:p>
@@ -991,7 +1076,7 @@
           <a:p>
             <a:fld id="{FB30EDBD-1C2D-4C1E-B459-B60219FAB484}" type="datetimeFigureOut">
               <a:rPr lang="ko-KR" altLang="en-US" smtClean="0"/>
-              <a:t>2018-10-15</a:t>
+              <a:t>2018-10-22</a:t>
             </a:fld>
             <a:endParaRPr lang="ko-KR" altLang="en-US"/>
           </a:p>
@@ -1164,7 +1249,7 @@
           <a:p>
             <a:fld id="{FB30EDBD-1C2D-4C1E-B459-B60219FAB484}" type="datetimeFigureOut">
               <a:rPr lang="ko-KR" altLang="en-US" smtClean="0"/>
-              <a:t>2018-10-15</a:t>
+              <a:t>2018-10-22</a:t>
             </a:fld>
             <a:endParaRPr lang="ko-KR" altLang="en-US"/>
           </a:p>
@@ -1327,7 +1412,7 @@
           <a:p>
             <a:fld id="{FB30EDBD-1C2D-4C1E-B459-B60219FAB484}" type="datetimeFigureOut">
               <a:rPr lang="ko-KR" altLang="en-US" smtClean="0"/>
-              <a:t>2018-10-15</a:t>
+              <a:t>2018-10-22</a:t>
             </a:fld>
             <a:endParaRPr lang="ko-KR" altLang="en-US"/>
           </a:p>
@@ -1567,7 +1652,7 @@
           <a:p>
             <a:fld id="{FB30EDBD-1C2D-4C1E-B459-B60219FAB484}" type="datetimeFigureOut">
               <a:rPr lang="ko-KR" altLang="en-US" smtClean="0"/>
-              <a:t>2018-10-15</a:t>
+              <a:t>2018-10-22</a:t>
             </a:fld>
             <a:endParaRPr lang="ko-KR" altLang="en-US"/>
           </a:p>
@@ -1847,7 +1932,7 @@
           <a:p>
             <a:fld id="{FB30EDBD-1C2D-4C1E-B459-B60219FAB484}" type="datetimeFigureOut">
               <a:rPr lang="ko-KR" altLang="en-US" smtClean="0"/>
-              <a:t>2018-10-15</a:t>
+              <a:t>2018-10-22</a:t>
             </a:fld>
             <a:endParaRPr lang="ko-KR" altLang="en-US"/>
           </a:p>
@@ -2261,7 +2346,7 @@
           <a:p>
             <a:fld id="{FB30EDBD-1C2D-4C1E-B459-B60219FAB484}" type="datetimeFigureOut">
               <a:rPr lang="ko-KR" altLang="en-US" smtClean="0"/>
-              <a:t>2018-10-15</a:t>
+              <a:t>2018-10-22</a:t>
             </a:fld>
             <a:endParaRPr lang="ko-KR" altLang="en-US"/>
           </a:p>
@@ -2373,7 +2458,7 @@
           <a:p>
             <a:fld id="{FB30EDBD-1C2D-4C1E-B459-B60219FAB484}" type="datetimeFigureOut">
               <a:rPr lang="ko-KR" altLang="en-US" smtClean="0"/>
-              <a:t>2018-10-15</a:t>
+              <a:t>2018-10-22</a:t>
             </a:fld>
             <a:endParaRPr lang="ko-KR" altLang="en-US"/>
           </a:p>
@@ -2463,7 +2548,7 @@
           <a:p>
             <a:fld id="{FB30EDBD-1C2D-4C1E-B459-B60219FAB484}" type="datetimeFigureOut">
               <a:rPr lang="ko-KR" altLang="en-US" smtClean="0"/>
-              <a:t>2018-10-15</a:t>
+              <a:t>2018-10-22</a:t>
             </a:fld>
             <a:endParaRPr lang="ko-KR" altLang="en-US"/>
           </a:p>
@@ -2733,7 +2818,7 @@
           <a:p>
             <a:fld id="{FB30EDBD-1C2D-4C1E-B459-B60219FAB484}" type="datetimeFigureOut">
               <a:rPr lang="ko-KR" altLang="en-US" smtClean="0"/>
-              <a:t>2018-10-15</a:t>
+              <a:t>2018-10-22</a:t>
             </a:fld>
             <a:endParaRPr lang="ko-KR" altLang="en-US"/>
           </a:p>
@@ -2980,7 +3065,7 @@
           <a:p>
             <a:fld id="{FB30EDBD-1C2D-4C1E-B459-B60219FAB484}" type="datetimeFigureOut">
               <a:rPr lang="ko-KR" altLang="en-US" smtClean="0"/>
-              <a:t>2018-10-15</a:t>
+              <a:t>2018-10-22</a:t>
             </a:fld>
             <a:endParaRPr lang="ko-KR" altLang="en-US"/>
           </a:p>
@@ -3186,7 +3271,7 @@
           <a:p>
             <a:fld id="{FB30EDBD-1C2D-4C1E-B459-B60219FAB484}" type="datetimeFigureOut">
               <a:rPr lang="ko-KR" altLang="en-US" smtClean="0"/>
-              <a:t>2018-10-15</a:t>
+              <a:t>2018-10-22</a:t>
             </a:fld>
             <a:endParaRPr lang="ko-KR" altLang="en-US"/>
           </a:p>
@@ -3887,7 +3972,7 @@
           <p:cNvPr id="27" name="직선 연결선 26">
             <a:extLst>
               <a:ext uri="{FF2B5EF4-FFF2-40B4-BE49-F238E27FC236}">
-                <a16:creationId xmlns="" xmlns:a16="http://schemas.microsoft.com/office/drawing/2014/main" id="{5E80DC9F-9923-4F26-B693-EBC87DB1CE27}"/>
+                <a16:creationId xmlns:a16="http://schemas.microsoft.com/office/drawing/2014/main" xmlns="" id="{5E80DC9F-9923-4F26-B693-EBC87DB1CE27}"/>
               </a:ext>
             </a:extLst>
           </p:cNvPr>
@@ -3932,7 +4017,7 @@
           <p:cNvPr id="33" name="TextBox 32">
             <a:extLst>
               <a:ext uri="{FF2B5EF4-FFF2-40B4-BE49-F238E27FC236}">
-                <a16:creationId xmlns="" xmlns:a16="http://schemas.microsoft.com/office/drawing/2014/main" id="{E94F729B-379B-4653-B3B4-E0CE68964F4C}"/>
+                <a16:creationId xmlns:a16="http://schemas.microsoft.com/office/drawing/2014/main" xmlns="" id="{E94F729B-379B-4653-B3B4-E0CE68964F4C}"/>
               </a:ext>
             </a:extLst>
           </p:cNvPr>
@@ -3984,7 +4069,7 @@
           <p:cNvPr id="42" name="직선 연결선 41">
             <a:extLst>
               <a:ext uri="{FF2B5EF4-FFF2-40B4-BE49-F238E27FC236}">
-                <a16:creationId xmlns="" xmlns:a16="http://schemas.microsoft.com/office/drawing/2014/main" id="{4E327FFC-11F2-47BB-BB81-71D688D585D7}"/>
+                <a16:creationId xmlns:a16="http://schemas.microsoft.com/office/drawing/2014/main" xmlns="" id="{4E327FFC-11F2-47BB-BB81-71D688D585D7}"/>
               </a:ext>
             </a:extLst>
           </p:cNvPr>
@@ -4029,7 +4114,7 @@
           <p:cNvPr id="43" name="TextBox 42">
             <a:extLst>
               <a:ext uri="{FF2B5EF4-FFF2-40B4-BE49-F238E27FC236}">
-                <a16:creationId xmlns="" xmlns:a16="http://schemas.microsoft.com/office/drawing/2014/main" id="{65C4A01C-9E5E-4F58-B561-9BB389256B27}"/>
+                <a16:creationId xmlns:a16="http://schemas.microsoft.com/office/drawing/2014/main" xmlns="" id="{65C4A01C-9E5E-4F58-B561-9BB389256B27}"/>
               </a:ext>
             </a:extLst>
           </p:cNvPr>
@@ -4086,7 +4171,7 @@
           <p:cNvPr id="44" name="직선 연결선 43">
             <a:extLst>
               <a:ext uri="{FF2B5EF4-FFF2-40B4-BE49-F238E27FC236}">
-                <a16:creationId xmlns="" xmlns:a16="http://schemas.microsoft.com/office/drawing/2014/main" id="{A9FA9947-4719-41E6-95DB-DCCA789F6C97}"/>
+                <a16:creationId xmlns:a16="http://schemas.microsoft.com/office/drawing/2014/main" xmlns="" id="{A9FA9947-4719-41E6-95DB-DCCA789F6C97}"/>
               </a:ext>
             </a:extLst>
           </p:cNvPr>
@@ -4131,7 +4216,7 @@
           <p:cNvPr id="45" name="TextBox 44">
             <a:extLst>
               <a:ext uri="{FF2B5EF4-FFF2-40B4-BE49-F238E27FC236}">
-                <a16:creationId xmlns="" xmlns:a16="http://schemas.microsoft.com/office/drawing/2014/main" id="{8FBD6DBB-8D81-4556-A8B6-6870395055BB}"/>
+                <a16:creationId xmlns:a16="http://schemas.microsoft.com/office/drawing/2014/main" xmlns="" id="{8FBD6DBB-8D81-4556-A8B6-6870395055BB}"/>
               </a:ext>
             </a:extLst>
           </p:cNvPr>
@@ -4168,7 +4253,7 @@
           <p:cNvPr id="46" name="직선 연결선 45">
             <a:extLst>
               <a:ext uri="{FF2B5EF4-FFF2-40B4-BE49-F238E27FC236}">
-                <a16:creationId xmlns="" xmlns:a16="http://schemas.microsoft.com/office/drawing/2014/main" id="{39891AFB-9156-427A-8543-7BB3A8A9C9E6}"/>
+                <a16:creationId xmlns:a16="http://schemas.microsoft.com/office/drawing/2014/main" xmlns="" id="{39891AFB-9156-427A-8543-7BB3A8A9C9E6}"/>
               </a:ext>
             </a:extLst>
           </p:cNvPr>
@@ -4211,7 +4296,7 @@
           <p:cNvPr id="47" name="TextBox 46">
             <a:extLst>
               <a:ext uri="{FF2B5EF4-FFF2-40B4-BE49-F238E27FC236}">
-                <a16:creationId xmlns="" xmlns:a16="http://schemas.microsoft.com/office/drawing/2014/main" id="{312811A8-A851-48FF-93C0-66CCAB421337}"/>
+                <a16:creationId xmlns:a16="http://schemas.microsoft.com/office/drawing/2014/main" xmlns="" id="{312811A8-A851-48FF-93C0-66CCAB421337}"/>
               </a:ext>
             </a:extLst>
           </p:cNvPr>
@@ -4264,7 +4349,7 @@
           <p:cNvPr id="48" name="직선 연결선 47">
             <a:extLst>
               <a:ext uri="{FF2B5EF4-FFF2-40B4-BE49-F238E27FC236}">
-                <a16:creationId xmlns="" xmlns:a16="http://schemas.microsoft.com/office/drawing/2014/main" id="{DDA4906D-07DC-4DE6-A86A-B5D11F151D8B}"/>
+                <a16:creationId xmlns:a16="http://schemas.microsoft.com/office/drawing/2014/main" xmlns="" id="{DDA4906D-07DC-4DE6-A86A-B5D11F151D8B}"/>
               </a:ext>
             </a:extLst>
           </p:cNvPr>
@@ -4309,7 +4394,7 @@
           <p:cNvPr id="49" name="TextBox 48">
             <a:extLst>
               <a:ext uri="{FF2B5EF4-FFF2-40B4-BE49-F238E27FC236}">
-                <a16:creationId xmlns="" xmlns:a16="http://schemas.microsoft.com/office/drawing/2014/main" id="{7F1A670D-8814-4CE0-86EB-15EB50C8933B}"/>
+                <a16:creationId xmlns:a16="http://schemas.microsoft.com/office/drawing/2014/main" xmlns="" id="{7F1A670D-8814-4CE0-86EB-15EB50C8933B}"/>
               </a:ext>
             </a:extLst>
           </p:cNvPr>
@@ -4339,11 +4424,7 @@
             </a:r>
             <a:r>
               <a:rPr lang="en-US" altLang="ko-KR" sz="1100" dirty="0" smtClean="0"/>
-              <a:t>. </a:t>
-            </a:r>
-            <a:r>
-              <a:rPr lang="en-US" altLang="ko-KR" sz="1100" dirty="0" smtClean="0"/>
-              <a:t>Client Certificate Request (Optional)</a:t>
+              <a:t>. Client Certificate Request (Optional)</a:t>
             </a:r>
             <a:endParaRPr lang="en-US" altLang="ko-KR" sz="1100" dirty="0"/>
           </a:p>
@@ -4354,7 +4435,7 @@
           <p:cNvPr id="52" name="직선 연결선 51">
             <a:extLst>
               <a:ext uri="{FF2B5EF4-FFF2-40B4-BE49-F238E27FC236}">
-                <a16:creationId xmlns="" xmlns:a16="http://schemas.microsoft.com/office/drawing/2014/main" id="{269273A2-7BF0-4651-95E2-1818B874A510}"/>
+                <a16:creationId xmlns:a16="http://schemas.microsoft.com/office/drawing/2014/main" xmlns="" id="{269273A2-7BF0-4651-95E2-1818B874A510}"/>
               </a:ext>
             </a:extLst>
           </p:cNvPr>
@@ -4397,7 +4478,7 @@
           <p:cNvPr id="53" name="TextBox 52">
             <a:extLst>
               <a:ext uri="{FF2B5EF4-FFF2-40B4-BE49-F238E27FC236}">
-                <a16:creationId xmlns="" xmlns:a16="http://schemas.microsoft.com/office/drawing/2014/main" id="{ACB65787-1943-491F-9EE6-687435E76CB7}"/>
+                <a16:creationId xmlns:a16="http://schemas.microsoft.com/office/drawing/2014/main" xmlns="" id="{ACB65787-1943-491F-9EE6-687435E76CB7}"/>
               </a:ext>
             </a:extLst>
           </p:cNvPr>
@@ -4439,19 +4520,11 @@
             </a:r>
             <a:r>
               <a:rPr lang="en-US" altLang="ko-KR" sz="1100" dirty="0"/>
-              <a:t>(Pre-master </a:t>
-            </a:r>
-            <a:r>
-              <a:rPr lang="en-US" altLang="ko-KR" sz="1100" dirty="0"/>
-              <a:t>S</a:t>
+              <a:t>(Pre-master S</a:t>
             </a:r>
             <a:r>
               <a:rPr lang="en-US" altLang="ko-KR" sz="1100" dirty="0" smtClean="0"/>
-              <a:t>ecret</a:t>
-            </a:r>
-            <a:r>
-              <a:rPr lang="en-US" altLang="ko-KR" sz="1100" dirty="0" smtClean="0"/>
-              <a:t>)</a:t>
+              <a:t>ecret)</a:t>
             </a:r>
             <a:endParaRPr lang="ko-KR" altLang="en-US" sz="1100" dirty="0"/>
           </a:p>
@@ -4462,7 +4535,7 @@
           <p:cNvPr id="54" name="직선 연결선 53">
             <a:extLst>
               <a:ext uri="{FF2B5EF4-FFF2-40B4-BE49-F238E27FC236}">
-                <a16:creationId xmlns="" xmlns:a16="http://schemas.microsoft.com/office/drawing/2014/main" id="{273E7F8E-ACC3-4152-A16D-B15756D81FE5}"/>
+                <a16:creationId xmlns:a16="http://schemas.microsoft.com/office/drawing/2014/main" xmlns="" id="{273E7F8E-ACC3-4152-A16D-B15756D81FE5}"/>
               </a:ext>
             </a:extLst>
           </p:cNvPr>
@@ -4505,7 +4578,7 @@
           <p:cNvPr id="55" name="TextBox 54">
             <a:extLst>
               <a:ext uri="{FF2B5EF4-FFF2-40B4-BE49-F238E27FC236}">
-                <a16:creationId xmlns="" xmlns:a16="http://schemas.microsoft.com/office/drawing/2014/main" id="{A77B5788-FC26-4BF1-9A4A-B35A06086490}"/>
+                <a16:creationId xmlns:a16="http://schemas.microsoft.com/office/drawing/2014/main" xmlns="" id="{A77B5788-FC26-4BF1-9A4A-B35A06086490}"/>
               </a:ext>
             </a:extLst>
           </p:cNvPr>
@@ -4566,7 +4639,7 @@
           <p:cNvPr id="56" name="직선 연결선 55">
             <a:extLst>
               <a:ext uri="{FF2B5EF4-FFF2-40B4-BE49-F238E27FC236}">
-                <a16:creationId xmlns="" xmlns:a16="http://schemas.microsoft.com/office/drawing/2014/main" id="{894325AA-AB75-44F0-9F2D-213706D9840B}"/>
+                <a16:creationId xmlns:a16="http://schemas.microsoft.com/office/drawing/2014/main" xmlns="" id="{894325AA-AB75-44F0-9F2D-213706D9840B}"/>
               </a:ext>
             </a:extLst>
           </p:cNvPr>
@@ -4609,7 +4682,7 @@
           <p:cNvPr id="57" name="TextBox 56">
             <a:extLst>
               <a:ext uri="{FF2B5EF4-FFF2-40B4-BE49-F238E27FC236}">
-                <a16:creationId xmlns="" xmlns:a16="http://schemas.microsoft.com/office/drawing/2014/main" id="{9DD5CDE2-131D-40A5-9F71-78FDA27CA543}"/>
+                <a16:creationId xmlns:a16="http://schemas.microsoft.com/office/drawing/2014/main" xmlns="" id="{9DD5CDE2-131D-40A5-9F71-78FDA27CA543}"/>
               </a:ext>
             </a:extLst>
           </p:cNvPr>
@@ -4662,7 +4735,7 @@
           <p:cNvPr id="58" name="직선 연결선 57">
             <a:extLst>
               <a:ext uri="{FF2B5EF4-FFF2-40B4-BE49-F238E27FC236}">
-                <a16:creationId xmlns="" xmlns:a16="http://schemas.microsoft.com/office/drawing/2014/main" id="{6E400A8A-FF7C-4A75-9F67-A1F83E81BDDD}"/>
+                <a16:creationId xmlns:a16="http://schemas.microsoft.com/office/drawing/2014/main" xmlns="" id="{6E400A8A-FF7C-4A75-9F67-A1F83E81BDDD}"/>
               </a:ext>
             </a:extLst>
           </p:cNvPr>
@@ -4705,7 +4778,7 @@
           <p:cNvPr id="59" name="TextBox 58">
             <a:extLst>
               <a:ext uri="{FF2B5EF4-FFF2-40B4-BE49-F238E27FC236}">
-                <a16:creationId xmlns="" xmlns:a16="http://schemas.microsoft.com/office/drawing/2014/main" id="{48754042-8D1C-45CF-9349-6D386CCAC557}"/>
+                <a16:creationId xmlns:a16="http://schemas.microsoft.com/office/drawing/2014/main" xmlns="" id="{48754042-8D1C-45CF-9349-6D386CCAC557}"/>
               </a:ext>
             </a:extLst>
           </p:cNvPr>
@@ -4731,11 +4804,7 @@
             <a:pPr algn="ctr"/>
             <a:r>
               <a:rPr lang="en-US" altLang="ko-KR" sz="1100" dirty="0" smtClean="0"/>
-              <a:t>11. </a:t>
-            </a:r>
-            <a:r>
-              <a:rPr lang="en-US" altLang="ko-KR" sz="1100" dirty="0" smtClean="0"/>
-              <a:t>Finish</a:t>
+              <a:t>11. Finish</a:t>
             </a:r>
             <a:endParaRPr lang="ko-KR" altLang="en-US" sz="1100" dirty="0"/>
           </a:p>
@@ -4746,7 +4815,7 @@
           <p:cNvPr id="60" name="직선 연결선 59">
             <a:extLst>
               <a:ext uri="{FF2B5EF4-FFF2-40B4-BE49-F238E27FC236}">
-                <a16:creationId xmlns="" xmlns:a16="http://schemas.microsoft.com/office/drawing/2014/main" id="{393BCCF4-E01A-44C6-8782-42051C54257B}"/>
+                <a16:creationId xmlns:a16="http://schemas.microsoft.com/office/drawing/2014/main" xmlns="" id="{393BCCF4-E01A-44C6-8782-42051C54257B}"/>
               </a:ext>
             </a:extLst>
           </p:cNvPr>
@@ -4789,7 +4858,7 @@
           <p:cNvPr id="61" name="TextBox 60">
             <a:extLst>
               <a:ext uri="{FF2B5EF4-FFF2-40B4-BE49-F238E27FC236}">
-                <a16:creationId xmlns="" xmlns:a16="http://schemas.microsoft.com/office/drawing/2014/main" id="{79B00122-7477-4434-A379-93470BC63028}"/>
+                <a16:creationId xmlns:a16="http://schemas.microsoft.com/office/drawing/2014/main" xmlns="" id="{79B00122-7477-4434-A379-93470BC63028}"/>
               </a:ext>
             </a:extLst>
           </p:cNvPr>
@@ -4842,7 +4911,7 @@
           <p:cNvPr id="62" name="직선 연결선 61">
             <a:extLst>
               <a:ext uri="{FF2B5EF4-FFF2-40B4-BE49-F238E27FC236}">
-                <a16:creationId xmlns="" xmlns:a16="http://schemas.microsoft.com/office/drawing/2014/main" id="{6462EE50-3860-4BF9-8B5B-9E9C6F8DEF5B}"/>
+                <a16:creationId xmlns:a16="http://schemas.microsoft.com/office/drawing/2014/main" xmlns="" id="{6462EE50-3860-4BF9-8B5B-9E9C6F8DEF5B}"/>
               </a:ext>
             </a:extLst>
           </p:cNvPr>
@@ -4885,7 +4954,7 @@
           <p:cNvPr id="65" name="직선 연결선 64">
             <a:extLst>
               <a:ext uri="{FF2B5EF4-FFF2-40B4-BE49-F238E27FC236}">
-                <a16:creationId xmlns="" xmlns:a16="http://schemas.microsoft.com/office/drawing/2014/main" id="{31F040DA-CEF1-4CF3-A39F-3C18BFE737F3}"/>
+                <a16:creationId xmlns:a16="http://schemas.microsoft.com/office/drawing/2014/main" xmlns="" id="{31F040DA-CEF1-4CF3-A39F-3C18BFE737F3}"/>
               </a:ext>
             </a:extLst>
           </p:cNvPr>
@@ -4928,7 +4997,7 @@
           <p:cNvPr id="63" name="TextBox 62">
             <a:extLst>
               <a:ext uri="{FF2B5EF4-FFF2-40B4-BE49-F238E27FC236}">
-                <a16:creationId xmlns="" xmlns:a16="http://schemas.microsoft.com/office/drawing/2014/main" id="{2BF6C344-CEEC-4BED-8EAC-BC32A20073DD}"/>
+                <a16:creationId xmlns:a16="http://schemas.microsoft.com/office/drawing/2014/main" xmlns="" id="{2BF6C344-CEEC-4BED-8EAC-BC32A20073DD}"/>
               </a:ext>
             </a:extLst>
           </p:cNvPr>
@@ -4954,11 +5023,7 @@
             <a:pPr algn="ctr"/>
             <a:r>
               <a:rPr lang="en-US" altLang="ko-KR" sz="1100" dirty="0" smtClean="0"/>
-              <a:t>13. </a:t>
-            </a:r>
-            <a:r>
-              <a:rPr lang="en-US" altLang="ko-KR" sz="1100" dirty="0" smtClean="0"/>
-              <a:t>Finish</a:t>
+              <a:t>13. Finish</a:t>
             </a:r>
             <a:endParaRPr lang="ko-KR" altLang="en-US" sz="1100" dirty="0"/>
           </a:p>
@@ -4969,7 +5034,7 @@
           <p:cNvPr id="66" name="TextBox 65">
             <a:extLst>
               <a:ext uri="{FF2B5EF4-FFF2-40B4-BE49-F238E27FC236}">
-                <a16:creationId xmlns="" xmlns:a16="http://schemas.microsoft.com/office/drawing/2014/main" id="{6D88113C-C756-4D18-A2F2-B401F3084479}"/>
+                <a16:creationId xmlns:a16="http://schemas.microsoft.com/office/drawing/2014/main" xmlns="" id="{6D88113C-C756-4D18-A2F2-B401F3084479}"/>
               </a:ext>
             </a:extLst>
           </p:cNvPr>
@@ -5014,7 +5079,7 @@
           <p:cNvPr id="35" name="직선 연결선 34">
             <a:extLst>
               <a:ext uri="{FF2B5EF4-FFF2-40B4-BE49-F238E27FC236}">
-                <a16:creationId xmlns="" xmlns:a16="http://schemas.microsoft.com/office/drawing/2014/main" id="{5E80DC9F-9923-4F26-B693-EBC87DB1CE27}"/>
+                <a16:creationId xmlns:a16="http://schemas.microsoft.com/office/drawing/2014/main" xmlns="" id="{5E80DC9F-9923-4F26-B693-EBC87DB1CE27}"/>
               </a:ext>
             </a:extLst>
           </p:cNvPr>
@@ -5059,7 +5124,7 @@
           <p:cNvPr id="36" name="TextBox 35">
             <a:extLst>
               <a:ext uri="{FF2B5EF4-FFF2-40B4-BE49-F238E27FC236}">
-                <a16:creationId xmlns="" xmlns:a16="http://schemas.microsoft.com/office/drawing/2014/main" id="{E94F729B-379B-4653-B3B4-E0CE68964F4C}"/>
+                <a16:creationId xmlns:a16="http://schemas.microsoft.com/office/drawing/2014/main" xmlns="" id="{E94F729B-379B-4653-B3B4-E0CE68964F4C}"/>
               </a:ext>
             </a:extLst>
           </p:cNvPr>
@@ -5085,11 +5150,7 @@
             <a:pPr algn="ctr"/>
             <a:r>
               <a:rPr lang="en-US" altLang="ko-KR" sz="1100" dirty="0"/>
-              <a:t>3. Server </a:t>
-            </a:r>
-            <a:r>
-              <a:rPr lang="en-US" altLang="ko-KR" sz="1100" dirty="0"/>
-              <a:t>C</a:t>
+              <a:t>3. Server C</a:t>
             </a:r>
             <a:r>
               <a:rPr lang="en-US" altLang="ko-KR" sz="1100" dirty="0" smtClean="0"/>
@@ -5371,11 +5432,7 @@
             <a:pPr algn="ctr"/>
             <a:r>
               <a:rPr lang="en-US" altLang="ko-KR" sz="1100" dirty="0"/>
-              <a:t>1. Client </a:t>
-            </a:r>
-            <a:r>
-              <a:rPr lang="en-US" altLang="ko-KR" sz="1100" dirty="0"/>
-              <a:t>H</a:t>
+              <a:t>1. Client H</a:t>
             </a:r>
             <a:r>
               <a:rPr lang="en-US" altLang="ko-KR" sz="1100" dirty="0" smtClean="0"/>
@@ -5449,11 +5506,7 @@
             <a:pPr algn="ctr"/>
             <a:r>
               <a:rPr lang="en-US" altLang="ko-KR" sz="1100" dirty="0"/>
-              <a:t>2. Server </a:t>
-            </a:r>
-            <a:r>
-              <a:rPr lang="en-US" altLang="ko-KR" sz="1100" dirty="0"/>
-              <a:t>H</a:t>
+              <a:t>2. Server H</a:t>
             </a:r>
             <a:r>
               <a:rPr lang="en-US" altLang="ko-KR" sz="1100" dirty="0" smtClean="0"/>
@@ -5468,7 +5521,7 @@
           <p:cNvPr id="44" name="직선 연결선 43">
             <a:extLst>
               <a:ext uri="{FF2B5EF4-FFF2-40B4-BE49-F238E27FC236}">
-                <a16:creationId xmlns="" xmlns:a16="http://schemas.microsoft.com/office/drawing/2014/main" id="{A9FA9947-4719-41E6-95DB-DCCA789F6C97}"/>
+                <a16:creationId xmlns:a16="http://schemas.microsoft.com/office/drawing/2014/main" xmlns="" id="{A9FA9947-4719-41E6-95DB-DCCA789F6C97}"/>
               </a:ext>
             </a:extLst>
           </p:cNvPr>
@@ -5513,7 +5566,7 @@
           <p:cNvPr id="45" name="TextBox 44">
             <a:extLst>
               <a:ext uri="{FF2B5EF4-FFF2-40B4-BE49-F238E27FC236}">
-                <a16:creationId xmlns="" xmlns:a16="http://schemas.microsoft.com/office/drawing/2014/main" id="{8FBD6DBB-8D81-4556-A8B6-6870395055BB}"/>
+                <a16:creationId xmlns:a16="http://schemas.microsoft.com/office/drawing/2014/main" xmlns="" id="{8FBD6DBB-8D81-4556-A8B6-6870395055BB}"/>
               </a:ext>
             </a:extLst>
           </p:cNvPr>
@@ -5550,7 +5603,7 @@
           <p:cNvPr id="56" name="직선 연결선 55">
             <a:extLst>
               <a:ext uri="{FF2B5EF4-FFF2-40B4-BE49-F238E27FC236}">
-                <a16:creationId xmlns="" xmlns:a16="http://schemas.microsoft.com/office/drawing/2014/main" id="{894325AA-AB75-44F0-9F2D-213706D9840B}"/>
+                <a16:creationId xmlns:a16="http://schemas.microsoft.com/office/drawing/2014/main" xmlns="" id="{894325AA-AB75-44F0-9F2D-213706D9840B}"/>
               </a:ext>
             </a:extLst>
           </p:cNvPr>
@@ -5593,7 +5646,7 @@
           <p:cNvPr id="57" name="TextBox 56">
             <a:extLst>
               <a:ext uri="{FF2B5EF4-FFF2-40B4-BE49-F238E27FC236}">
-                <a16:creationId xmlns="" xmlns:a16="http://schemas.microsoft.com/office/drawing/2014/main" id="{9DD5CDE2-131D-40A5-9F71-78FDA27CA543}"/>
+                <a16:creationId xmlns:a16="http://schemas.microsoft.com/office/drawing/2014/main" xmlns="" id="{9DD5CDE2-131D-40A5-9F71-78FDA27CA543}"/>
               </a:ext>
             </a:extLst>
           </p:cNvPr>
@@ -5642,7 +5695,7 @@
           <p:cNvPr id="58" name="직선 연결선 57">
             <a:extLst>
               <a:ext uri="{FF2B5EF4-FFF2-40B4-BE49-F238E27FC236}">
-                <a16:creationId xmlns="" xmlns:a16="http://schemas.microsoft.com/office/drawing/2014/main" id="{6E400A8A-FF7C-4A75-9F67-A1F83E81BDDD}"/>
+                <a16:creationId xmlns:a16="http://schemas.microsoft.com/office/drawing/2014/main" xmlns="" id="{6E400A8A-FF7C-4A75-9F67-A1F83E81BDDD}"/>
               </a:ext>
             </a:extLst>
           </p:cNvPr>
@@ -5685,7 +5738,7 @@
           <p:cNvPr id="59" name="TextBox 58">
             <a:extLst>
               <a:ext uri="{FF2B5EF4-FFF2-40B4-BE49-F238E27FC236}">
-                <a16:creationId xmlns="" xmlns:a16="http://schemas.microsoft.com/office/drawing/2014/main" id="{48754042-8D1C-45CF-9349-6D386CCAC557}"/>
+                <a16:creationId xmlns:a16="http://schemas.microsoft.com/office/drawing/2014/main" xmlns="" id="{48754042-8D1C-45CF-9349-6D386CCAC557}"/>
               </a:ext>
             </a:extLst>
           </p:cNvPr>
@@ -5726,7 +5779,7 @@
           <p:cNvPr id="60" name="직선 연결선 59">
             <a:extLst>
               <a:ext uri="{FF2B5EF4-FFF2-40B4-BE49-F238E27FC236}">
-                <a16:creationId xmlns="" xmlns:a16="http://schemas.microsoft.com/office/drawing/2014/main" id="{393BCCF4-E01A-44C6-8782-42051C54257B}"/>
+                <a16:creationId xmlns:a16="http://schemas.microsoft.com/office/drawing/2014/main" xmlns="" id="{393BCCF4-E01A-44C6-8782-42051C54257B}"/>
               </a:ext>
             </a:extLst>
           </p:cNvPr>
@@ -5769,7 +5822,7 @@
           <p:cNvPr id="61" name="TextBox 60">
             <a:extLst>
               <a:ext uri="{FF2B5EF4-FFF2-40B4-BE49-F238E27FC236}">
-                <a16:creationId xmlns="" xmlns:a16="http://schemas.microsoft.com/office/drawing/2014/main" id="{79B00122-7477-4434-A379-93470BC63028}"/>
+                <a16:creationId xmlns:a16="http://schemas.microsoft.com/office/drawing/2014/main" xmlns="" id="{79B00122-7477-4434-A379-93470BC63028}"/>
               </a:ext>
             </a:extLst>
           </p:cNvPr>
@@ -5818,7 +5871,7 @@
           <p:cNvPr id="62" name="직선 연결선 61">
             <a:extLst>
               <a:ext uri="{FF2B5EF4-FFF2-40B4-BE49-F238E27FC236}">
-                <a16:creationId xmlns="" xmlns:a16="http://schemas.microsoft.com/office/drawing/2014/main" id="{6462EE50-3860-4BF9-8B5B-9E9C6F8DEF5B}"/>
+                <a16:creationId xmlns:a16="http://schemas.microsoft.com/office/drawing/2014/main" xmlns="" id="{6462EE50-3860-4BF9-8B5B-9E9C6F8DEF5B}"/>
               </a:ext>
             </a:extLst>
           </p:cNvPr>
@@ -5861,7 +5914,7 @@
           <p:cNvPr id="65" name="직선 연결선 64">
             <a:extLst>
               <a:ext uri="{FF2B5EF4-FFF2-40B4-BE49-F238E27FC236}">
-                <a16:creationId xmlns="" xmlns:a16="http://schemas.microsoft.com/office/drawing/2014/main" id="{31F040DA-CEF1-4CF3-A39F-3C18BFE737F3}"/>
+                <a16:creationId xmlns:a16="http://schemas.microsoft.com/office/drawing/2014/main" xmlns="" id="{31F040DA-CEF1-4CF3-A39F-3C18BFE737F3}"/>
               </a:ext>
             </a:extLst>
           </p:cNvPr>
@@ -5904,7 +5957,7 @@
           <p:cNvPr id="63" name="TextBox 62">
             <a:extLst>
               <a:ext uri="{FF2B5EF4-FFF2-40B4-BE49-F238E27FC236}">
-                <a16:creationId xmlns="" xmlns:a16="http://schemas.microsoft.com/office/drawing/2014/main" id="{2BF6C344-CEEC-4BED-8EAC-BC32A20073DD}"/>
+                <a16:creationId xmlns:a16="http://schemas.microsoft.com/office/drawing/2014/main" xmlns="" id="{2BF6C344-CEEC-4BED-8EAC-BC32A20073DD}"/>
               </a:ext>
             </a:extLst>
           </p:cNvPr>
@@ -5945,7 +5998,7 @@
           <p:cNvPr id="66" name="TextBox 65">
             <a:extLst>
               <a:ext uri="{FF2B5EF4-FFF2-40B4-BE49-F238E27FC236}">
-                <a16:creationId xmlns="" xmlns:a16="http://schemas.microsoft.com/office/drawing/2014/main" id="{6D88113C-C756-4D18-A2F2-B401F3084479}"/>
+                <a16:creationId xmlns:a16="http://schemas.microsoft.com/office/drawing/2014/main" xmlns="" id="{6D88113C-C756-4D18-A2F2-B401F3084479}"/>
               </a:ext>
             </a:extLst>
           </p:cNvPr>
@@ -5991,6 +6044,962 @@
   <p:clrMapOvr>
     <a:masterClrMapping/>
   </p:clrMapOvr>
+</p:sld>
+</file>
+
+<file path=ppt/slides/slide3.xml><?xml version="1.0" encoding="utf-8"?>
+<p:sld xmlns:a="http://schemas.openxmlformats.org/drawingml/2006/main" xmlns:r="http://schemas.openxmlformats.org/officeDocument/2006/relationships" xmlns:p="http://schemas.openxmlformats.org/presentationml/2006/main">
+  <p:cSld>
+    <p:spTree>
+      <p:nvGrpSpPr>
+        <p:cNvPr id="1" name=""/>
+        <p:cNvGrpSpPr/>
+        <p:nvPr/>
+      </p:nvGrpSpPr>
+      <p:grpSpPr>
+        <a:xfrm>
+          <a:off x="0" y="0"/>
+          <a:ext cx="0" cy="0"/>
+          <a:chOff x="0" y="0"/>
+          <a:chExt cx="0" cy="0"/>
+        </a:xfrm>
+      </p:grpSpPr>
+      <p:sp>
+        <p:nvSpPr>
+          <p:cNvPr id="6" name="제목 1"/>
+          <p:cNvSpPr>
+            <a:spLocks noGrp="1"/>
+          </p:cNvSpPr>
+          <p:nvPr>
+            <p:ph type="title"/>
+          </p:nvPr>
+        </p:nvSpPr>
+        <p:spPr>
+          <a:xfrm>
+            <a:off x="457200" y="-20538"/>
+            <a:ext cx="8229600" cy="857250"/>
+          </a:xfrm>
+        </p:spPr>
+        <p:txBody>
+          <a:bodyPr>
+            <a:normAutofit/>
+          </a:bodyPr>
+          <a:lstStyle/>
+          <a:p>
+            <a:r>
+              <a:rPr lang="en-US" altLang="ko-KR" dirty="0" smtClean="0"/>
+              <a:t>Certificate Tree</a:t>
+            </a:r>
+            <a:endParaRPr lang="ko-KR" altLang="en-US" dirty="0"/>
+          </a:p>
+        </p:txBody>
+      </p:sp>
+      <p:sp>
+        <p:nvSpPr>
+          <p:cNvPr id="2" name="슬라이드 번호 개체 틀 1"/>
+          <p:cNvSpPr>
+            <a:spLocks noGrp="1"/>
+          </p:cNvSpPr>
+          <p:nvPr>
+            <p:ph type="sldNum" sz="quarter" idx="12"/>
+          </p:nvPr>
+        </p:nvSpPr>
+        <p:spPr/>
+        <p:txBody>
+          <a:bodyPr/>
+          <a:lstStyle/>
+          <a:p>
+            <a:fld id="{4BEDD84E-25D4-4983-8AA1-2863C96F08D9}" type="slidenum">
+              <a:rPr lang="ko-KR" altLang="en-US" smtClean="0"/>
+              <a:pPr/>
+              <a:t>3</a:t>
+            </a:fld>
+            <a:r>
+              <a:rPr lang="ko-KR" altLang="en-US" dirty="0" smtClean="0"/>
+              <a:t> </a:t>
+            </a:r>
+            <a:r>
+              <a:rPr lang="en-US" altLang="ko-KR" dirty="0" smtClean="0"/>
+              <a:t>/ 19</a:t>
+            </a:r>
+          </a:p>
+        </p:txBody>
+      </p:sp>
+      <p:sp>
+        <p:nvSpPr>
+          <p:cNvPr id="3" name="직사각형 2"/>
+          <p:cNvSpPr/>
+          <p:nvPr/>
+        </p:nvSpPr>
+        <p:spPr>
+          <a:xfrm>
+            <a:off x="1666262" y="1343041"/>
+            <a:ext cx="1825618" cy="564842"/>
+          </a:xfrm>
+          <a:prstGeom prst="rect">
+            <a:avLst/>
+          </a:prstGeom>
+        </p:spPr>
+        <p:style>
+          <a:lnRef idx="2">
+            <a:schemeClr val="dk1"/>
+          </a:lnRef>
+          <a:fillRef idx="1">
+            <a:schemeClr val="lt1"/>
+          </a:fillRef>
+          <a:effectRef idx="0">
+            <a:schemeClr val="dk1"/>
+          </a:effectRef>
+          <a:fontRef idx="minor">
+            <a:schemeClr val="dk1"/>
+          </a:fontRef>
+        </p:style>
+        <p:txBody>
+          <a:bodyPr rtlCol="0" anchor="t"/>
+          <a:lstStyle/>
+          <a:p>
+            <a:pPr algn="ctr"/>
+            <a:r>
+              <a:rPr lang="en-US" altLang="ko-KR" sz="1000" dirty="0" smtClean="0"/>
+              <a:t>Root CA’s Certificate  </a:t>
+            </a:r>
+            <a:endParaRPr lang="ko-KR" altLang="en-US" sz="1000" dirty="0"/>
+          </a:p>
+        </p:txBody>
+      </p:sp>
+      <p:sp>
+        <p:nvSpPr>
+          <p:cNvPr id="8" name="직사각형 7"/>
+          <p:cNvSpPr/>
+          <p:nvPr/>
+        </p:nvSpPr>
+        <p:spPr>
+          <a:xfrm>
+            <a:off x="1779858" y="1619905"/>
+            <a:ext cx="1598426" cy="227192"/>
+          </a:xfrm>
+          <a:prstGeom prst="rect">
+            <a:avLst/>
+          </a:prstGeom>
+        </p:spPr>
+        <p:style>
+          <a:lnRef idx="2">
+            <a:schemeClr val="dk1"/>
+          </a:lnRef>
+          <a:fillRef idx="1">
+            <a:schemeClr val="lt1"/>
+          </a:fillRef>
+          <a:effectRef idx="0">
+            <a:schemeClr val="dk1"/>
+          </a:effectRef>
+          <a:fontRef idx="minor">
+            <a:schemeClr val="dk1"/>
+          </a:fontRef>
+        </p:style>
+        <p:txBody>
+          <a:bodyPr rtlCol="0" anchor="t"/>
+          <a:lstStyle/>
+          <a:p>
+            <a:pPr algn="ctr"/>
+            <a:r>
+              <a:rPr lang="en-US" altLang="ko-KR" sz="1000" dirty="0" smtClean="0"/>
+              <a:t>Root CA’s Public key</a:t>
+            </a:r>
+            <a:endParaRPr lang="ko-KR" altLang="en-US" sz="1000" dirty="0"/>
+          </a:p>
+        </p:txBody>
+      </p:sp>
+      <p:sp>
+        <p:nvSpPr>
+          <p:cNvPr id="9" name="직사각형 8"/>
+          <p:cNvSpPr/>
+          <p:nvPr/>
+        </p:nvSpPr>
+        <p:spPr>
+          <a:xfrm>
+            <a:off x="1666262" y="1907688"/>
+            <a:ext cx="1825618" cy="227192"/>
+          </a:xfrm>
+          <a:prstGeom prst="rect">
+            <a:avLst/>
+          </a:prstGeom>
+        </p:spPr>
+        <p:style>
+          <a:lnRef idx="2">
+            <a:schemeClr val="dk1"/>
+          </a:lnRef>
+          <a:fillRef idx="1">
+            <a:schemeClr val="lt1"/>
+          </a:fillRef>
+          <a:effectRef idx="0">
+            <a:schemeClr val="dk1"/>
+          </a:effectRef>
+          <a:fontRef idx="minor">
+            <a:schemeClr val="dk1"/>
+          </a:fontRef>
+        </p:style>
+        <p:txBody>
+          <a:bodyPr rtlCol="0" anchor="t"/>
+          <a:lstStyle/>
+          <a:p>
+            <a:pPr algn="ctr"/>
+            <a:r>
+              <a:rPr lang="en-US" altLang="ko-KR" sz="1000" dirty="0" smtClean="0"/>
+              <a:t>Root CA’s signature</a:t>
+            </a:r>
+            <a:endParaRPr lang="ko-KR" altLang="en-US" sz="1000" dirty="0"/>
+          </a:p>
+        </p:txBody>
+      </p:sp>
+      <p:sp>
+        <p:nvSpPr>
+          <p:cNvPr id="4" name="자유형 3"/>
+          <p:cNvSpPr/>
+          <p:nvPr/>
+        </p:nvSpPr>
+        <p:spPr>
+          <a:xfrm flipV="1">
+            <a:off x="1392133" y="2016665"/>
+            <a:ext cx="442860" cy="334487"/>
+          </a:xfrm>
+          <a:custGeom>
+            <a:avLst/>
+            <a:gdLst>
+              <a:gd name="connsiteX0" fmla="*/ 387350 w 387350"/>
+              <a:gd name="connsiteY0" fmla="*/ 0 h 419100"/>
+              <a:gd name="connsiteX1" fmla="*/ 387350 w 387350"/>
+              <a:gd name="connsiteY1" fmla="*/ 0 h 419100"/>
+              <a:gd name="connsiteX2" fmla="*/ 0 w 387350"/>
+              <a:gd name="connsiteY2" fmla="*/ 0 h 419100"/>
+              <a:gd name="connsiteX3" fmla="*/ 0 w 387350"/>
+              <a:gd name="connsiteY3" fmla="*/ 419100 h 419100"/>
+              <a:gd name="connsiteX4" fmla="*/ 241300 w 387350"/>
+              <a:gd name="connsiteY4" fmla="*/ 419100 h 419100"/>
+            </a:gdLst>
+            <a:ahLst/>
+            <a:cxnLst>
+              <a:cxn ang="0">
+                <a:pos x="connsiteX0" y="connsiteY0"/>
+              </a:cxn>
+              <a:cxn ang="0">
+                <a:pos x="connsiteX1" y="connsiteY1"/>
+              </a:cxn>
+              <a:cxn ang="0">
+                <a:pos x="connsiteX2" y="connsiteY2"/>
+              </a:cxn>
+              <a:cxn ang="0">
+                <a:pos x="connsiteX3" y="connsiteY3"/>
+              </a:cxn>
+              <a:cxn ang="0">
+                <a:pos x="connsiteX4" y="connsiteY4"/>
+              </a:cxn>
+            </a:cxnLst>
+            <a:rect l="l" t="t" r="r" b="b"/>
+            <a:pathLst>
+              <a:path w="387350" h="419100">
+                <a:moveTo>
+                  <a:pt x="387350" y="0"/>
+                </a:moveTo>
+                <a:lnTo>
+                  <a:pt x="387350" y="0"/>
+                </a:lnTo>
+                <a:lnTo>
+                  <a:pt x="0" y="0"/>
+                </a:lnTo>
+                <a:lnTo>
+                  <a:pt x="0" y="419100"/>
+                </a:lnTo>
+                <a:lnTo>
+                  <a:pt x="241300" y="419100"/>
+                </a:lnTo>
+              </a:path>
+            </a:pathLst>
+          </a:custGeom>
+          <a:ln w="28575">
+            <a:solidFill>
+              <a:schemeClr val="tx1"/>
+            </a:solidFill>
+            <a:headEnd type="none" w="med" len="med"/>
+            <a:tailEnd type="arrow" w="med" len="med"/>
+          </a:ln>
+        </p:spPr>
+        <p:style>
+          <a:lnRef idx="1">
+            <a:schemeClr val="accent1"/>
+          </a:lnRef>
+          <a:fillRef idx="0">
+            <a:schemeClr val="accent1"/>
+          </a:fillRef>
+          <a:effectRef idx="0">
+            <a:schemeClr val="accent1"/>
+          </a:effectRef>
+          <a:fontRef idx="minor">
+            <a:schemeClr val="tx1"/>
+          </a:fontRef>
+        </p:style>
+        <p:txBody>
+          <a:bodyPr rtlCol="0" anchor="ctr"/>
+          <a:lstStyle/>
+          <a:p>
+            <a:pPr algn="ctr"/>
+            <a:endParaRPr lang="ko-KR" altLang="en-US" sz="1100"/>
+          </a:p>
+        </p:txBody>
+      </p:sp>
+      <p:sp>
+        <p:nvSpPr>
+          <p:cNvPr id="12" name="TextBox 11"/>
+          <p:cNvSpPr txBox="1"/>
+          <p:nvPr/>
+        </p:nvSpPr>
+        <p:spPr>
+          <a:xfrm>
+            <a:off x="467544" y="2044884"/>
+            <a:ext cx="1080120" cy="276999"/>
+          </a:xfrm>
+          <a:prstGeom prst="rect">
+            <a:avLst/>
+          </a:prstGeom>
+          <a:noFill/>
+        </p:spPr>
+        <p:txBody>
+          <a:bodyPr wrap="square" rtlCol="0" anchor="ctr">
+            <a:spAutoFit/>
+          </a:bodyPr>
+          <a:lstStyle/>
+          <a:p>
+            <a:pPr algn="ctr"/>
+            <a:r>
+              <a:rPr lang="en-US" altLang="ko-KR" sz="1200" dirty="0" smtClean="0"/>
+              <a:t>Self-sign</a:t>
+            </a:r>
+            <a:endParaRPr lang="ko-KR" altLang="en-US" sz="1200" dirty="0"/>
+          </a:p>
+        </p:txBody>
+      </p:sp>
+      <p:sp>
+        <p:nvSpPr>
+          <p:cNvPr id="13" name="직사각형 12"/>
+          <p:cNvSpPr/>
+          <p:nvPr/>
+        </p:nvSpPr>
+        <p:spPr>
+          <a:xfrm>
+            <a:off x="3696388" y="2242379"/>
+            <a:ext cx="1825618" cy="564842"/>
+          </a:xfrm>
+          <a:prstGeom prst="rect">
+            <a:avLst/>
+          </a:prstGeom>
+        </p:spPr>
+        <p:style>
+          <a:lnRef idx="2">
+            <a:schemeClr val="dk1"/>
+          </a:lnRef>
+          <a:fillRef idx="1">
+            <a:schemeClr val="lt1"/>
+          </a:fillRef>
+          <a:effectRef idx="0">
+            <a:schemeClr val="dk1"/>
+          </a:effectRef>
+          <a:fontRef idx="minor">
+            <a:schemeClr val="dk1"/>
+          </a:fontRef>
+        </p:style>
+        <p:txBody>
+          <a:bodyPr rtlCol="0" anchor="t"/>
+          <a:lstStyle/>
+          <a:p>
+            <a:pPr algn="ctr"/>
+            <a:r>
+              <a:rPr lang="en-US" altLang="ko-KR" sz="1000" dirty="0" smtClean="0"/>
+              <a:t>Owner A’s Certificate  </a:t>
+            </a:r>
+            <a:endParaRPr lang="ko-KR" altLang="en-US" sz="1000" dirty="0"/>
+          </a:p>
+        </p:txBody>
+      </p:sp>
+      <p:sp>
+        <p:nvSpPr>
+          <p:cNvPr id="14" name="직사각형 13"/>
+          <p:cNvSpPr/>
+          <p:nvPr/>
+        </p:nvSpPr>
+        <p:spPr>
+          <a:xfrm>
+            <a:off x="3809984" y="2519243"/>
+            <a:ext cx="1598426" cy="227192"/>
+          </a:xfrm>
+          <a:prstGeom prst="rect">
+            <a:avLst/>
+          </a:prstGeom>
+        </p:spPr>
+        <p:style>
+          <a:lnRef idx="2">
+            <a:schemeClr val="dk1"/>
+          </a:lnRef>
+          <a:fillRef idx="1">
+            <a:schemeClr val="lt1"/>
+          </a:fillRef>
+          <a:effectRef idx="0">
+            <a:schemeClr val="dk1"/>
+          </a:effectRef>
+          <a:fontRef idx="minor">
+            <a:schemeClr val="dk1"/>
+          </a:fontRef>
+        </p:style>
+        <p:txBody>
+          <a:bodyPr rtlCol="0" anchor="t"/>
+          <a:lstStyle/>
+          <a:p>
+            <a:pPr algn="ctr"/>
+            <a:r>
+              <a:rPr lang="en-US" altLang="ko-KR" sz="1000" dirty="0" smtClean="0"/>
+              <a:t>Owner A’s Public key</a:t>
+            </a:r>
+            <a:endParaRPr lang="ko-KR" altLang="en-US" sz="1000" dirty="0"/>
+          </a:p>
+        </p:txBody>
+      </p:sp>
+      <p:sp>
+        <p:nvSpPr>
+          <p:cNvPr id="15" name="직사각형 14"/>
+          <p:cNvSpPr/>
+          <p:nvPr/>
+        </p:nvSpPr>
+        <p:spPr>
+          <a:xfrm>
+            <a:off x="3696388" y="2807026"/>
+            <a:ext cx="1825618" cy="227192"/>
+          </a:xfrm>
+          <a:prstGeom prst="rect">
+            <a:avLst/>
+          </a:prstGeom>
+        </p:spPr>
+        <p:style>
+          <a:lnRef idx="2">
+            <a:schemeClr val="dk1"/>
+          </a:lnRef>
+          <a:fillRef idx="1">
+            <a:schemeClr val="lt1"/>
+          </a:fillRef>
+          <a:effectRef idx="0">
+            <a:schemeClr val="dk1"/>
+          </a:effectRef>
+          <a:fontRef idx="minor">
+            <a:schemeClr val="dk1"/>
+          </a:fontRef>
+        </p:style>
+        <p:txBody>
+          <a:bodyPr rtlCol="0" anchor="t"/>
+          <a:lstStyle/>
+          <a:p>
+            <a:pPr algn="ctr"/>
+            <a:r>
+              <a:rPr lang="en-US" altLang="ko-KR" sz="1000" dirty="0" smtClean="0"/>
+              <a:t>Root CA’s signature</a:t>
+            </a:r>
+            <a:endParaRPr lang="ko-KR" altLang="en-US" sz="1000" dirty="0"/>
+          </a:p>
+        </p:txBody>
+      </p:sp>
+      <p:sp>
+        <p:nvSpPr>
+          <p:cNvPr id="17" name="TextBox 16"/>
+          <p:cNvSpPr txBox="1"/>
+          <p:nvPr/>
+        </p:nvSpPr>
+        <p:spPr>
+          <a:xfrm>
+            <a:off x="2123728" y="2612880"/>
+            <a:ext cx="1080120" cy="276999"/>
+          </a:xfrm>
+          <a:prstGeom prst="rect">
+            <a:avLst/>
+          </a:prstGeom>
+          <a:noFill/>
+        </p:spPr>
+        <p:txBody>
+          <a:bodyPr wrap="square" rtlCol="0" anchor="ctr">
+            <a:spAutoFit/>
+          </a:bodyPr>
+          <a:lstStyle/>
+          <a:p>
+            <a:pPr algn="ctr"/>
+            <a:r>
+              <a:rPr lang="en-US" altLang="ko-KR" sz="1200" dirty="0" smtClean="0"/>
+              <a:t>Sign</a:t>
+            </a:r>
+            <a:endParaRPr lang="ko-KR" altLang="en-US" sz="1200" dirty="0"/>
+          </a:p>
+        </p:txBody>
+      </p:sp>
+      <p:sp>
+        <p:nvSpPr>
+          <p:cNvPr id="11" name="자유형 10"/>
+          <p:cNvSpPr/>
+          <p:nvPr/>
+        </p:nvSpPr>
+        <p:spPr>
+          <a:xfrm>
+            <a:off x="1875408" y="2464750"/>
+            <a:ext cx="1820980" cy="441006"/>
+          </a:xfrm>
+          <a:custGeom>
+            <a:avLst/>
+            <a:gdLst>
+              <a:gd name="connsiteX0" fmla="*/ 0 w 1619250"/>
+              <a:gd name="connsiteY0" fmla="*/ 0 h 1174750"/>
+              <a:gd name="connsiteX1" fmla="*/ 0 w 1619250"/>
+              <a:gd name="connsiteY1" fmla="*/ 1174750 h 1174750"/>
+              <a:gd name="connsiteX2" fmla="*/ 1619250 w 1619250"/>
+              <a:gd name="connsiteY2" fmla="*/ 1174750 h 1174750"/>
+            </a:gdLst>
+            <a:ahLst/>
+            <a:cxnLst>
+              <a:cxn ang="0">
+                <a:pos x="connsiteX0" y="connsiteY0"/>
+              </a:cxn>
+              <a:cxn ang="0">
+                <a:pos x="connsiteX1" y="connsiteY1"/>
+              </a:cxn>
+              <a:cxn ang="0">
+                <a:pos x="connsiteX2" y="connsiteY2"/>
+              </a:cxn>
+            </a:cxnLst>
+            <a:rect l="l" t="t" r="r" b="b"/>
+            <a:pathLst>
+              <a:path w="1619250" h="1174750">
+                <a:moveTo>
+                  <a:pt x="0" y="0"/>
+                </a:moveTo>
+                <a:lnTo>
+                  <a:pt x="0" y="1174750"/>
+                </a:lnTo>
+                <a:lnTo>
+                  <a:pt x="1619250" y="1174750"/>
+                </a:lnTo>
+              </a:path>
+            </a:pathLst>
+          </a:custGeom>
+          <a:ln w="28575">
+            <a:solidFill>
+              <a:schemeClr val="tx1"/>
+            </a:solidFill>
+            <a:headEnd type="none" w="med" len="med"/>
+            <a:tailEnd type="arrow" w="med" len="med"/>
+          </a:ln>
+        </p:spPr>
+        <p:style>
+          <a:lnRef idx="1">
+            <a:schemeClr val="accent1"/>
+          </a:lnRef>
+          <a:fillRef idx="0">
+            <a:schemeClr val="accent1"/>
+          </a:fillRef>
+          <a:effectRef idx="0">
+            <a:schemeClr val="accent1"/>
+          </a:effectRef>
+          <a:fontRef idx="minor">
+            <a:schemeClr val="tx1"/>
+          </a:fontRef>
+        </p:style>
+        <p:txBody>
+          <a:bodyPr rtlCol="0" anchor="ctr"/>
+          <a:lstStyle/>
+          <a:p>
+            <a:pPr algn="ctr"/>
+            <a:endParaRPr lang="ko-KR" altLang="en-US"/>
+          </a:p>
+        </p:txBody>
+      </p:sp>
+      <p:sp>
+        <p:nvSpPr>
+          <p:cNvPr id="25" name="직사각형 24"/>
+          <p:cNvSpPr/>
+          <p:nvPr/>
+        </p:nvSpPr>
+        <p:spPr>
+          <a:xfrm>
+            <a:off x="1779858" y="2237557"/>
+            <a:ext cx="1598426" cy="227192"/>
+          </a:xfrm>
+          <a:prstGeom prst="rect">
+            <a:avLst/>
+          </a:prstGeom>
+        </p:spPr>
+        <p:style>
+          <a:lnRef idx="2">
+            <a:schemeClr val="dk1"/>
+          </a:lnRef>
+          <a:fillRef idx="1">
+            <a:schemeClr val="lt1"/>
+          </a:fillRef>
+          <a:effectRef idx="0">
+            <a:schemeClr val="dk1"/>
+          </a:effectRef>
+          <a:fontRef idx="minor">
+            <a:schemeClr val="dk1"/>
+          </a:fontRef>
+        </p:style>
+        <p:txBody>
+          <a:bodyPr rtlCol="0" anchor="t"/>
+          <a:lstStyle/>
+          <a:p>
+            <a:pPr algn="ctr"/>
+            <a:r>
+              <a:rPr lang="en-US" altLang="ko-KR" sz="1000" dirty="0" smtClean="0"/>
+              <a:t>Root CA’s Private Key</a:t>
+            </a:r>
+            <a:endParaRPr lang="ko-KR" altLang="en-US" sz="1000" dirty="0"/>
+          </a:p>
+        </p:txBody>
+      </p:sp>
+      <p:sp>
+        <p:nvSpPr>
+          <p:cNvPr id="26" name="직사각형 25"/>
+          <p:cNvSpPr/>
+          <p:nvPr/>
+        </p:nvSpPr>
+        <p:spPr>
+          <a:xfrm>
+            <a:off x="3809984" y="3116519"/>
+            <a:ext cx="1598426" cy="227192"/>
+          </a:xfrm>
+          <a:prstGeom prst="rect">
+            <a:avLst/>
+          </a:prstGeom>
+        </p:spPr>
+        <p:style>
+          <a:lnRef idx="2">
+            <a:schemeClr val="dk1"/>
+          </a:lnRef>
+          <a:fillRef idx="1">
+            <a:schemeClr val="lt1"/>
+          </a:fillRef>
+          <a:effectRef idx="0">
+            <a:schemeClr val="dk1"/>
+          </a:effectRef>
+          <a:fontRef idx="minor">
+            <a:schemeClr val="dk1"/>
+          </a:fontRef>
+        </p:style>
+        <p:txBody>
+          <a:bodyPr rtlCol="0" anchor="t"/>
+          <a:lstStyle/>
+          <a:p>
+            <a:pPr algn="ctr"/>
+            <a:r>
+              <a:rPr lang="en-US" altLang="ko-KR" sz="1000" dirty="0" smtClean="0"/>
+              <a:t>Owner A’s Private key</a:t>
+            </a:r>
+            <a:endParaRPr lang="ko-KR" altLang="en-US" sz="1000" dirty="0"/>
+          </a:p>
+        </p:txBody>
+      </p:sp>
+      <p:sp>
+        <p:nvSpPr>
+          <p:cNvPr id="27" name="직사각형 26"/>
+          <p:cNvSpPr/>
+          <p:nvPr/>
+        </p:nvSpPr>
+        <p:spPr>
+          <a:xfrm>
+            <a:off x="5712612" y="3116519"/>
+            <a:ext cx="1825618" cy="564842"/>
+          </a:xfrm>
+          <a:prstGeom prst="rect">
+            <a:avLst/>
+          </a:prstGeom>
+        </p:spPr>
+        <p:style>
+          <a:lnRef idx="2">
+            <a:schemeClr val="dk1"/>
+          </a:lnRef>
+          <a:fillRef idx="1">
+            <a:schemeClr val="lt1"/>
+          </a:fillRef>
+          <a:effectRef idx="0">
+            <a:schemeClr val="dk1"/>
+          </a:effectRef>
+          <a:fontRef idx="minor">
+            <a:schemeClr val="dk1"/>
+          </a:fontRef>
+        </p:style>
+        <p:txBody>
+          <a:bodyPr rtlCol="0" anchor="t"/>
+          <a:lstStyle/>
+          <a:p>
+            <a:pPr algn="ctr"/>
+            <a:r>
+              <a:rPr lang="en-US" altLang="ko-KR" sz="1000" dirty="0" smtClean="0"/>
+              <a:t>Owner B’s Certificate  </a:t>
+            </a:r>
+            <a:endParaRPr lang="ko-KR" altLang="en-US" sz="1000" dirty="0"/>
+          </a:p>
+        </p:txBody>
+      </p:sp>
+      <p:sp>
+        <p:nvSpPr>
+          <p:cNvPr id="28" name="직사각형 27"/>
+          <p:cNvSpPr/>
+          <p:nvPr/>
+        </p:nvSpPr>
+        <p:spPr>
+          <a:xfrm>
+            <a:off x="5826208" y="3393383"/>
+            <a:ext cx="1598426" cy="227192"/>
+          </a:xfrm>
+          <a:prstGeom prst="rect">
+            <a:avLst/>
+          </a:prstGeom>
+        </p:spPr>
+        <p:style>
+          <a:lnRef idx="2">
+            <a:schemeClr val="dk1"/>
+          </a:lnRef>
+          <a:fillRef idx="1">
+            <a:schemeClr val="lt1"/>
+          </a:fillRef>
+          <a:effectRef idx="0">
+            <a:schemeClr val="dk1"/>
+          </a:effectRef>
+          <a:fontRef idx="minor">
+            <a:schemeClr val="dk1"/>
+          </a:fontRef>
+        </p:style>
+        <p:txBody>
+          <a:bodyPr rtlCol="0" anchor="t"/>
+          <a:lstStyle/>
+          <a:p>
+            <a:pPr algn="ctr"/>
+            <a:r>
+              <a:rPr lang="en-US" altLang="ko-KR" sz="1000" dirty="0" smtClean="0"/>
+              <a:t>Owner B’s Public key</a:t>
+            </a:r>
+            <a:endParaRPr lang="ko-KR" altLang="en-US" sz="1000" dirty="0"/>
+          </a:p>
+        </p:txBody>
+      </p:sp>
+      <p:sp>
+        <p:nvSpPr>
+          <p:cNvPr id="29" name="직사각형 28"/>
+          <p:cNvSpPr/>
+          <p:nvPr/>
+        </p:nvSpPr>
+        <p:spPr>
+          <a:xfrm>
+            <a:off x="5712612" y="3681166"/>
+            <a:ext cx="1825618" cy="227192"/>
+          </a:xfrm>
+          <a:prstGeom prst="rect">
+            <a:avLst/>
+          </a:prstGeom>
+        </p:spPr>
+        <p:style>
+          <a:lnRef idx="2">
+            <a:schemeClr val="dk1"/>
+          </a:lnRef>
+          <a:fillRef idx="1">
+            <a:schemeClr val="lt1"/>
+          </a:fillRef>
+          <a:effectRef idx="0">
+            <a:schemeClr val="dk1"/>
+          </a:effectRef>
+          <a:fontRef idx="minor">
+            <a:schemeClr val="dk1"/>
+          </a:fontRef>
+        </p:style>
+        <p:txBody>
+          <a:bodyPr rtlCol="0" anchor="t"/>
+          <a:lstStyle/>
+          <a:p>
+            <a:pPr algn="ctr"/>
+            <a:r>
+              <a:rPr lang="en-US" altLang="ko-KR" sz="1000" dirty="0" smtClean="0"/>
+              <a:t>Owner </a:t>
+            </a:r>
+            <a:r>
+              <a:rPr lang="en-US" altLang="ko-KR" sz="1000" dirty="0"/>
+              <a:t>A</a:t>
+            </a:r>
+            <a:r>
+              <a:rPr lang="en-US" altLang="ko-KR" sz="1000" dirty="0" smtClean="0"/>
+              <a:t>’s signature</a:t>
+            </a:r>
+            <a:endParaRPr lang="ko-KR" altLang="en-US" sz="1000" dirty="0"/>
+          </a:p>
+        </p:txBody>
+      </p:sp>
+      <p:sp>
+        <p:nvSpPr>
+          <p:cNvPr id="30" name="TextBox 29"/>
+          <p:cNvSpPr txBox="1"/>
+          <p:nvPr/>
+        </p:nvSpPr>
+        <p:spPr>
+          <a:xfrm>
+            <a:off x="4265756" y="3517763"/>
+            <a:ext cx="1080120" cy="276999"/>
+          </a:xfrm>
+          <a:prstGeom prst="rect">
+            <a:avLst/>
+          </a:prstGeom>
+          <a:noFill/>
+        </p:spPr>
+        <p:txBody>
+          <a:bodyPr wrap="square" rtlCol="0" anchor="ctr">
+            <a:spAutoFit/>
+          </a:bodyPr>
+          <a:lstStyle/>
+          <a:p>
+            <a:pPr algn="ctr"/>
+            <a:r>
+              <a:rPr lang="en-US" altLang="ko-KR" sz="1200" dirty="0" smtClean="0"/>
+              <a:t>Sign</a:t>
+            </a:r>
+            <a:endParaRPr lang="ko-KR" altLang="en-US" sz="1200" dirty="0"/>
+          </a:p>
+        </p:txBody>
+      </p:sp>
+      <p:sp>
+        <p:nvSpPr>
+          <p:cNvPr id="31" name="자유형 30"/>
+          <p:cNvSpPr/>
+          <p:nvPr/>
+        </p:nvSpPr>
+        <p:spPr>
+          <a:xfrm>
+            <a:off x="3899020" y="3343711"/>
+            <a:ext cx="1813592" cy="451051"/>
+          </a:xfrm>
+          <a:custGeom>
+            <a:avLst/>
+            <a:gdLst>
+              <a:gd name="connsiteX0" fmla="*/ 0 w 1619250"/>
+              <a:gd name="connsiteY0" fmla="*/ 0 h 1174750"/>
+              <a:gd name="connsiteX1" fmla="*/ 0 w 1619250"/>
+              <a:gd name="connsiteY1" fmla="*/ 1174750 h 1174750"/>
+              <a:gd name="connsiteX2" fmla="*/ 1619250 w 1619250"/>
+              <a:gd name="connsiteY2" fmla="*/ 1174750 h 1174750"/>
+            </a:gdLst>
+            <a:ahLst/>
+            <a:cxnLst>
+              <a:cxn ang="0">
+                <a:pos x="connsiteX0" y="connsiteY0"/>
+              </a:cxn>
+              <a:cxn ang="0">
+                <a:pos x="connsiteX1" y="connsiteY1"/>
+              </a:cxn>
+              <a:cxn ang="0">
+                <a:pos x="connsiteX2" y="connsiteY2"/>
+              </a:cxn>
+            </a:cxnLst>
+            <a:rect l="l" t="t" r="r" b="b"/>
+            <a:pathLst>
+              <a:path w="1619250" h="1174750">
+                <a:moveTo>
+                  <a:pt x="0" y="0"/>
+                </a:moveTo>
+                <a:lnTo>
+                  <a:pt x="0" y="1174750"/>
+                </a:lnTo>
+                <a:lnTo>
+                  <a:pt x="1619250" y="1174750"/>
+                </a:lnTo>
+              </a:path>
+            </a:pathLst>
+          </a:custGeom>
+          <a:ln w="28575">
+            <a:solidFill>
+              <a:schemeClr val="tx1"/>
+            </a:solidFill>
+            <a:headEnd type="none" w="med" len="med"/>
+            <a:tailEnd type="arrow" w="med" len="med"/>
+          </a:ln>
+        </p:spPr>
+        <p:style>
+          <a:lnRef idx="1">
+            <a:schemeClr val="accent1"/>
+          </a:lnRef>
+          <a:fillRef idx="0">
+            <a:schemeClr val="accent1"/>
+          </a:fillRef>
+          <a:effectRef idx="0">
+            <a:schemeClr val="accent1"/>
+          </a:effectRef>
+          <a:fontRef idx="minor">
+            <a:schemeClr val="tx1"/>
+          </a:fontRef>
+        </p:style>
+        <p:txBody>
+          <a:bodyPr rtlCol="0" anchor="ctr"/>
+          <a:lstStyle/>
+          <a:p>
+            <a:pPr algn="ctr"/>
+            <a:endParaRPr lang="ko-KR" altLang="en-US"/>
+          </a:p>
+        </p:txBody>
+      </p:sp>
+      <p:sp>
+        <p:nvSpPr>
+          <p:cNvPr id="32" name="직사각형 31"/>
+          <p:cNvSpPr/>
+          <p:nvPr/>
+        </p:nvSpPr>
+        <p:spPr>
+          <a:xfrm>
+            <a:off x="5826208" y="4000742"/>
+            <a:ext cx="1598426" cy="227192"/>
+          </a:xfrm>
+          <a:prstGeom prst="rect">
+            <a:avLst/>
+          </a:prstGeom>
+        </p:spPr>
+        <p:style>
+          <a:lnRef idx="2">
+            <a:schemeClr val="dk1"/>
+          </a:lnRef>
+          <a:fillRef idx="1">
+            <a:schemeClr val="lt1"/>
+          </a:fillRef>
+          <a:effectRef idx="0">
+            <a:schemeClr val="dk1"/>
+          </a:effectRef>
+          <a:fontRef idx="minor">
+            <a:schemeClr val="dk1"/>
+          </a:fontRef>
+        </p:style>
+        <p:txBody>
+          <a:bodyPr rtlCol="0" anchor="t"/>
+          <a:lstStyle/>
+          <a:p>
+            <a:pPr algn="ctr"/>
+            <a:r>
+              <a:rPr lang="en-US" altLang="ko-KR" sz="1000" dirty="0" smtClean="0"/>
+              <a:t>Owner B’s Private key</a:t>
+            </a:r>
+            <a:endParaRPr lang="ko-KR" altLang="en-US" sz="1000" dirty="0"/>
+          </a:p>
+        </p:txBody>
+      </p:sp>
+    </p:spTree>
+    <p:extLst>
+      <p:ext uri="{BB962C8B-B14F-4D97-AF65-F5344CB8AC3E}">
+        <p14:creationId xmlns:p14="http://schemas.microsoft.com/office/powerpoint/2010/main" val="4157008326"/>
+      </p:ext>
+    </p:extLst>
+  </p:cSld>
+  <p:clrMapOvr>
+    <a:masterClrMapping/>
+  </p:clrMapOvr>
+  <p:timing>
+    <p:tnLst>
+      <p:par>
+        <p:cTn id="1" dur="indefinite" restart="never" nodeType="tmRoot"/>
+      </p:par>
+    </p:tnLst>
+  </p:timing>
 </p:sld>
 </file>
 

--- a/images/theory_analysis/SSL,TLS/SSL,TLS.pptx
+++ b/images/theory_analysis/SSL,TLS/SSL,TLS.pptx
@@ -111,7 +111,7 @@
   </p:defaultTextStyle>
   <p:extLst>
     <p:ext uri="{EFAFB233-063F-42B5-8137-9DF3F51BA10A}">
-      <p15:sldGuideLst xmlns:p15="http://schemas.microsoft.com/office/powerpoint/2012/main" xmlns="">
+      <p15:sldGuideLst xmlns:p15="http://schemas.microsoft.com/office/powerpoint/2012/main">
         <p15:guide id="1" orient="horz" pos="2160">
           <p15:clr>
             <a:srgbClr val="A4A3A4"/>
@@ -215,7 +215,7 @@
           <a:p>
             <a:fld id="{6CD5550B-26C4-49A9-A5BA-636EF7BE6CE9}" type="datetimeFigureOut">
               <a:rPr lang="ko-KR" altLang="en-US" smtClean="0"/>
-              <a:t>2018-10-22</a:t>
+              <a:t>2019-12-28</a:t>
             </a:fld>
             <a:endParaRPr lang="ko-KR" altLang="en-US"/>
           </a:p>
@@ -913,7 +913,7 @@
           <a:p>
             <a:fld id="{FB30EDBD-1C2D-4C1E-B459-B60219FAB484}" type="datetimeFigureOut">
               <a:rPr lang="ko-KR" altLang="en-US" smtClean="0"/>
-              <a:t>2018-10-22</a:t>
+              <a:t>2019-12-28</a:t>
             </a:fld>
             <a:endParaRPr lang="ko-KR" altLang="en-US"/>
           </a:p>
@@ -1076,7 +1076,7 @@
           <a:p>
             <a:fld id="{FB30EDBD-1C2D-4C1E-B459-B60219FAB484}" type="datetimeFigureOut">
               <a:rPr lang="ko-KR" altLang="en-US" smtClean="0"/>
-              <a:t>2018-10-22</a:t>
+              <a:t>2019-12-28</a:t>
             </a:fld>
             <a:endParaRPr lang="ko-KR" altLang="en-US"/>
           </a:p>
@@ -1249,7 +1249,7 @@
           <a:p>
             <a:fld id="{FB30EDBD-1C2D-4C1E-B459-B60219FAB484}" type="datetimeFigureOut">
               <a:rPr lang="ko-KR" altLang="en-US" smtClean="0"/>
-              <a:t>2018-10-22</a:t>
+              <a:t>2019-12-28</a:t>
             </a:fld>
             <a:endParaRPr lang="ko-KR" altLang="en-US"/>
           </a:p>
@@ -1412,7 +1412,7 @@
           <a:p>
             <a:fld id="{FB30EDBD-1C2D-4C1E-B459-B60219FAB484}" type="datetimeFigureOut">
               <a:rPr lang="ko-KR" altLang="en-US" smtClean="0"/>
-              <a:t>2018-10-22</a:t>
+              <a:t>2019-12-28</a:t>
             </a:fld>
             <a:endParaRPr lang="ko-KR" altLang="en-US"/>
           </a:p>
@@ -1652,7 +1652,7 @@
           <a:p>
             <a:fld id="{FB30EDBD-1C2D-4C1E-B459-B60219FAB484}" type="datetimeFigureOut">
               <a:rPr lang="ko-KR" altLang="en-US" smtClean="0"/>
-              <a:t>2018-10-22</a:t>
+              <a:t>2019-12-28</a:t>
             </a:fld>
             <a:endParaRPr lang="ko-KR" altLang="en-US"/>
           </a:p>
@@ -1932,7 +1932,7 @@
           <a:p>
             <a:fld id="{FB30EDBD-1C2D-4C1E-B459-B60219FAB484}" type="datetimeFigureOut">
               <a:rPr lang="ko-KR" altLang="en-US" smtClean="0"/>
-              <a:t>2018-10-22</a:t>
+              <a:t>2019-12-28</a:t>
             </a:fld>
             <a:endParaRPr lang="ko-KR" altLang="en-US"/>
           </a:p>
@@ -2346,7 +2346,7 @@
           <a:p>
             <a:fld id="{FB30EDBD-1C2D-4C1E-B459-B60219FAB484}" type="datetimeFigureOut">
               <a:rPr lang="ko-KR" altLang="en-US" smtClean="0"/>
-              <a:t>2018-10-22</a:t>
+              <a:t>2019-12-28</a:t>
             </a:fld>
             <a:endParaRPr lang="ko-KR" altLang="en-US"/>
           </a:p>
@@ -2458,7 +2458,7 @@
           <a:p>
             <a:fld id="{FB30EDBD-1C2D-4C1E-B459-B60219FAB484}" type="datetimeFigureOut">
               <a:rPr lang="ko-KR" altLang="en-US" smtClean="0"/>
-              <a:t>2018-10-22</a:t>
+              <a:t>2019-12-28</a:t>
             </a:fld>
             <a:endParaRPr lang="ko-KR" altLang="en-US"/>
           </a:p>
@@ -2548,7 +2548,7 @@
           <a:p>
             <a:fld id="{FB30EDBD-1C2D-4C1E-B459-B60219FAB484}" type="datetimeFigureOut">
               <a:rPr lang="ko-KR" altLang="en-US" smtClean="0"/>
-              <a:t>2018-10-22</a:t>
+              <a:t>2019-12-28</a:t>
             </a:fld>
             <a:endParaRPr lang="ko-KR" altLang="en-US"/>
           </a:p>
@@ -2818,7 +2818,7 @@
           <a:p>
             <a:fld id="{FB30EDBD-1C2D-4C1E-B459-B60219FAB484}" type="datetimeFigureOut">
               <a:rPr lang="ko-KR" altLang="en-US" smtClean="0"/>
-              <a:t>2018-10-22</a:t>
+              <a:t>2019-12-28</a:t>
             </a:fld>
             <a:endParaRPr lang="ko-KR" altLang="en-US"/>
           </a:p>
@@ -3065,7 +3065,7 @@
           <a:p>
             <a:fld id="{FB30EDBD-1C2D-4C1E-B459-B60219FAB484}" type="datetimeFigureOut">
               <a:rPr lang="ko-KR" altLang="en-US" smtClean="0"/>
-              <a:t>2018-10-22</a:t>
+              <a:t>2019-12-28</a:t>
             </a:fld>
             <a:endParaRPr lang="ko-KR" altLang="en-US"/>
           </a:p>
@@ -3271,7 +3271,7 @@
           <a:p>
             <a:fld id="{FB30EDBD-1C2D-4C1E-B459-B60219FAB484}" type="datetimeFigureOut">
               <a:rPr lang="ko-KR" altLang="en-US" smtClean="0"/>
-              <a:t>2018-10-22</a:t>
+              <a:t>2019-12-28</a:t>
             </a:fld>
             <a:endParaRPr lang="ko-KR" altLang="en-US"/>
           </a:p>
@@ -3883,11 +3883,7 @@
             <a:pPr algn="ctr"/>
             <a:r>
               <a:rPr lang="en-US" altLang="ko-KR" sz="1100" dirty="0"/>
-              <a:t>1. Client </a:t>
-            </a:r>
-            <a:r>
-              <a:rPr lang="en-US" altLang="ko-KR" sz="1100" dirty="0" smtClean="0"/>
-              <a:t>Hello</a:t>
+              <a:t>1. Client Hello</a:t>
             </a:r>
             <a:endParaRPr lang="ko-KR" altLang="en-US" sz="1100" dirty="0"/>
           </a:p>
@@ -3957,13 +3953,8 @@
             <a:pPr algn="ctr"/>
             <a:r>
               <a:rPr lang="en-US" altLang="ko-KR" sz="1100" dirty="0"/>
-              <a:t>2. Server </a:t>
-            </a:r>
-            <a:r>
-              <a:rPr lang="en-US" altLang="ko-KR" sz="1100" dirty="0" smtClean="0"/>
-              <a:t>Hello</a:t>
-            </a:r>
-            <a:endParaRPr lang="en-US" altLang="ko-KR" sz="1100" dirty="0"/>
+              <a:t>2. Server Hello</a:t>
+            </a:r>
           </a:p>
         </p:txBody>
       </p:sp>
@@ -3972,7 +3963,7 @@
           <p:cNvPr id="27" name="직선 연결선 26">
             <a:extLst>
               <a:ext uri="{FF2B5EF4-FFF2-40B4-BE49-F238E27FC236}">
-                <a16:creationId xmlns:a16="http://schemas.microsoft.com/office/drawing/2014/main" xmlns="" id="{5E80DC9F-9923-4F26-B693-EBC87DB1CE27}"/>
+                <a16:creationId xmlns:a16="http://schemas.microsoft.com/office/drawing/2014/main" id="{5E80DC9F-9923-4F26-B693-EBC87DB1CE27}"/>
               </a:ext>
             </a:extLst>
           </p:cNvPr>
@@ -4017,7 +4008,7 @@
           <p:cNvPr id="33" name="TextBox 32">
             <a:extLst>
               <a:ext uri="{FF2B5EF4-FFF2-40B4-BE49-F238E27FC236}">
-                <a16:creationId xmlns:a16="http://schemas.microsoft.com/office/drawing/2014/main" xmlns="" id="{E94F729B-379B-4653-B3B4-E0CE68964F4C}"/>
+                <a16:creationId xmlns:a16="http://schemas.microsoft.com/office/drawing/2014/main" id="{E94F729B-379B-4653-B3B4-E0CE68964F4C}"/>
               </a:ext>
             </a:extLst>
           </p:cNvPr>
@@ -4043,23 +4034,7 @@
             <a:pPr algn="ctr"/>
             <a:r>
               <a:rPr lang="en-US" altLang="ko-KR" sz="1100" dirty="0"/>
-              <a:t>4</a:t>
-            </a:r>
-            <a:r>
-              <a:rPr lang="en-US" altLang="ko-KR" sz="1100" dirty="0" smtClean="0"/>
-              <a:t>. </a:t>
-            </a:r>
-            <a:r>
-              <a:rPr lang="en-US" altLang="ko-KR" sz="1100" dirty="0"/>
-              <a:t>Server </a:t>
-            </a:r>
-            <a:r>
-              <a:rPr lang="en-US" altLang="ko-KR" sz="1100" dirty="0" smtClean="0"/>
-              <a:t>Key Exchange </a:t>
-            </a:r>
-            <a:r>
-              <a:rPr lang="en-US" altLang="ko-KR" sz="1100" dirty="0"/>
-              <a:t>(Optional)</a:t>
+              <a:t>4. Server Key Exchange (Optional)</a:t>
             </a:r>
           </a:p>
         </p:txBody>
@@ -4069,7 +4044,7 @@
           <p:cNvPr id="42" name="직선 연결선 41">
             <a:extLst>
               <a:ext uri="{FF2B5EF4-FFF2-40B4-BE49-F238E27FC236}">
-                <a16:creationId xmlns:a16="http://schemas.microsoft.com/office/drawing/2014/main" xmlns="" id="{4E327FFC-11F2-47BB-BB81-71D688D585D7}"/>
+                <a16:creationId xmlns:a16="http://schemas.microsoft.com/office/drawing/2014/main" id="{4E327FFC-11F2-47BB-BB81-71D688D585D7}"/>
               </a:ext>
             </a:extLst>
           </p:cNvPr>
@@ -4114,7 +4089,7 @@
           <p:cNvPr id="43" name="TextBox 42">
             <a:extLst>
               <a:ext uri="{FF2B5EF4-FFF2-40B4-BE49-F238E27FC236}">
-                <a16:creationId xmlns:a16="http://schemas.microsoft.com/office/drawing/2014/main" xmlns="" id="{65C4A01C-9E5E-4F58-B561-9BB389256B27}"/>
+                <a16:creationId xmlns:a16="http://schemas.microsoft.com/office/drawing/2014/main" id="{65C4A01C-9E5E-4F58-B561-9BB389256B27}"/>
               </a:ext>
             </a:extLst>
           </p:cNvPr>
@@ -4140,29 +4115,8 @@
             <a:pPr algn="ctr"/>
             <a:r>
               <a:rPr lang="en-US" altLang="ko-KR" sz="1100" dirty="0"/>
-              <a:t>6</a:t>
-            </a:r>
-            <a:r>
-              <a:rPr lang="en-US" altLang="ko-KR" sz="1100" dirty="0" smtClean="0"/>
-              <a:t>. </a:t>
-            </a:r>
-            <a:r>
-              <a:rPr lang="en-US" altLang="ko-KR" sz="1100" dirty="0"/>
-              <a:t>Server </a:t>
-            </a:r>
-            <a:r>
-              <a:rPr lang="en-US" altLang="ko-KR" sz="1100" dirty="0" smtClean="0"/>
-              <a:t>Hello </a:t>
-            </a:r>
-            <a:r>
-              <a:rPr lang="en-US" altLang="ko-KR" sz="1100" dirty="0"/>
-              <a:t>D</a:t>
-            </a:r>
-            <a:r>
-              <a:rPr lang="en-US" altLang="ko-KR" sz="1100" dirty="0" smtClean="0"/>
-              <a:t>one</a:t>
-            </a:r>
-            <a:endParaRPr lang="en-US" altLang="ko-KR" sz="1100" dirty="0"/>
+              <a:t>6. Server Hello Done</a:t>
+            </a:r>
           </a:p>
         </p:txBody>
       </p:sp>
@@ -4171,7 +4125,7 @@
           <p:cNvPr id="44" name="직선 연결선 43">
             <a:extLst>
               <a:ext uri="{FF2B5EF4-FFF2-40B4-BE49-F238E27FC236}">
-                <a16:creationId xmlns:a16="http://schemas.microsoft.com/office/drawing/2014/main" xmlns="" id="{A9FA9947-4719-41E6-95DB-DCCA789F6C97}"/>
+                <a16:creationId xmlns:a16="http://schemas.microsoft.com/office/drawing/2014/main" id="{A9FA9947-4719-41E6-95DB-DCCA789F6C97}"/>
               </a:ext>
             </a:extLst>
           </p:cNvPr>
@@ -4216,7 +4170,7 @@
           <p:cNvPr id="45" name="TextBox 44">
             <a:extLst>
               <a:ext uri="{FF2B5EF4-FFF2-40B4-BE49-F238E27FC236}">
-                <a16:creationId xmlns:a16="http://schemas.microsoft.com/office/drawing/2014/main" xmlns="" id="{8FBD6DBB-8D81-4556-A8B6-6870395055BB}"/>
+                <a16:creationId xmlns:a16="http://schemas.microsoft.com/office/drawing/2014/main" id="{8FBD6DBB-8D81-4556-A8B6-6870395055BB}"/>
               </a:ext>
             </a:extLst>
           </p:cNvPr>
@@ -4253,7 +4207,7 @@
           <p:cNvPr id="46" name="직선 연결선 45">
             <a:extLst>
               <a:ext uri="{FF2B5EF4-FFF2-40B4-BE49-F238E27FC236}">
-                <a16:creationId xmlns:a16="http://schemas.microsoft.com/office/drawing/2014/main" xmlns="" id="{39891AFB-9156-427A-8543-7BB3A8A9C9E6}"/>
+                <a16:creationId xmlns:a16="http://schemas.microsoft.com/office/drawing/2014/main" id="{39891AFB-9156-427A-8543-7BB3A8A9C9E6}"/>
               </a:ext>
             </a:extLst>
           </p:cNvPr>
@@ -4296,7 +4250,7 @@
           <p:cNvPr id="47" name="TextBox 46">
             <a:extLst>
               <a:ext uri="{FF2B5EF4-FFF2-40B4-BE49-F238E27FC236}">
-                <a16:creationId xmlns:a16="http://schemas.microsoft.com/office/drawing/2014/main" xmlns="" id="{312811A8-A851-48FF-93C0-66CCAB421337}"/>
+                <a16:creationId xmlns:a16="http://schemas.microsoft.com/office/drawing/2014/main" id="{312811A8-A851-48FF-93C0-66CCAB421337}"/>
               </a:ext>
             </a:extLst>
           </p:cNvPr>
@@ -4322,23 +4276,7 @@
             <a:pPr algn="ctr"/>
             <a:r>
               <a:rPr lang="en-US" altLang="ko-KR" sz="1100" dirty="0"/>
-              <a:t>7</a:t>
-            </a:r>
-            <a:r>
-              <a:rPr lang="en-US" altLang="ko-KR" sz="1100" dirty="0" smtClean="0"/>
-              <a:t>. </a:t>
-            </a:r>
-            <a:r>
-              <a:rPr lang="en-US" altLang="ko-KR" sz="1100" dirty="0"/>
-              <a:t>Client </a:t>
-            </a:r>
-            <a:r>
-              <a:rPr lang="en-US" altLang="ko-KR" sz="1100" dirty="0" smtClean="0"/>
-              <a:t>Certificate </a:t>
-            </a:r>
-            <a:r>
-              <a:rPr lang="en-US" altLang="ko-KR" sz="1100" dirty="0"/>
-              <a:t>(Optional) </a:t>
+              <a:t>7. Client Certificate (Optional) </a:t>
             </a:r>
             <a:endParaRPr lang="ko-KR" altLang="en-US" sz="1100" dirty="0"/>
           </a:p>
@@ -4349,7 +4287,7 @@
           <p:cNvPr id="48" name="직선 연결선 47">
             <a:extLst>
               <a:ext uri="{FF2B5EF4-FFF2-40B4-BE49-F238E27FC236}">
-                <a16:creationId xmlns:a16="http://schemas.microsoft.com/office/drawing/2014/main" xmlns="" id="{DDA4906D-07DC-4DE6-A86A-B5D11F151D8B}"/>
+                <a16:creationId xmlns:a16="http://schemas.microsoft.com/office/drawing/2014/main" id="{DDA4906D-07DC-4DE6-A86A-B5D11F151D8B}"/>
               </a:ext>
             </a:extLst>
           </p:cNvPr>
@@ -4394,7 +4332,7 @@
           <p:cNvPr id="49" name="TextBox 48">
             <a:extLst>
               <a:ext uri="{FF2B5EF4-FFF2-40B4-BE49-F238E27FC236}">
-                <a16:creationId xmlns:a16="http://schemas.microsoft.com/office/drawing/2014/main" xmlns="" id="{7F1A670D-8814-4CE0-86EB-15EB50C8933B}"/>
+                <a16:creationId xmlns:a16="http://schemas.microsoft.com/office/drawing/2014/main" id="{7F1A670D-8814-4CE0-86EB-15EB50C8933B}"/>
               </a:ext>
             </a:extLst>
           </p:cNvPr>
@@ -4420,13 +4358,8 @@
             <a:pPr algn="ctr"/>
             <a:r>
               <a:rPr lang="en-US" altLang="ko-KR" sz="1100" dirty="0"/>
-              <a:t>5</a:t>
-            </a:r>
-            <a:r>
-              <a:rPr lang="en-US" altLang="ko-KR" sz="1100" dirty="0" smtClean="0"/>
-              <a:t>. Client Certificate Request (Optional)</a:t>
-            </a:r>
-            <a:endParaRPr lang="en-US" altLang="ko-KR" sz="1100" dirty="0"/>
+              <a:t>5. Client Certificate Request (Optional)</a:t>
+            </a:r>
           </a:p>
         </p:txBody>
       </p:sp>
@@ -4435,7 +4368,7 @@
           <p:cNvPr id="52" name="직선 연결선 51">
             <a:extLst>
               <a:ext uri="{FF2B5EF4-FFF2-40B4-BE49-F238E27FC236}">
-                <a16:creationId xmlns:a16="http://schemas.microsoft.com/office/drawing/2014/main" xmlns="" id="{269273A2-7BF0-4651-95E2-1818B874A510}"/>
+                <a16:creationId xmlns:a16="http://schemas.microsoft.com/office/drawing/2014/main" id="{269273A2-7BF0-4651-95E2-1818B874A510}"/>
               </a:ext>
             </a:extLst>
           </p:cNvPr>
@@ -4478,7 +4411,7 @@
           <p:cNvPr id="53" name="TextBox 52">
             <a:extLst>
               <a:ext uri="{FF2B5EF4-FFF2-40B4-BE49-F238E27FC236}">
-                <a16:creationId xmlns:a16="http://schemas.microsoft.com/office/drawing/2014/main" xmlns="" id="{ACB65787-1943-491F-9EE6-687435E76CB7}"/>
+                <a16:creationId xmlns:a16="http://schemas.microsoft.com/office/drawing/2014/main" id="{ACB65787-1943-491F-9EE6-687435E76CB7}"/>
               </a:ext>
             </a:extLst>
           </p:cNvPr>
@@ -4504,27 +4437,7 @@
             <a:pPr algn="ctr"/>
             <a:r>
               <a:rPr lang="en-US" altLang="ko-KR" sz="1100" dirty="0"/>
-              <a:t>8</a:t>
-            </a:r>
-            <a:r>
-              <a:rPr lang="en-US" altLang="ko-KR" sz="1100" dirty="0" smtClean="0"/>
-              <a:t>. </a:t>
-            </a:r>
-            <a:r>
-              <a:rPr lang="en-US" altLang="ko-KR" sz="1100" dirty="0"/>
-              <a:t>Client </a:t>
-            </a:r>
-            <a:r>
-              <a:rPr lang="en-US" altLang="ko-KR" sz="1100" dirty="0" smtClean="0"/>
-              <a:t>Key </a:t>
-            </a:r>
-            <a:r>
-              <a:rPr lang="en-US" altLang="ko-KR" sz="1100" dirty="0"/>
-              <a:t>(Pre-master S</a:t>
-            </a:r>
-            <a:r>
-              <a:rPr lang="en-US" altLang="ko-KR" sz="1100" dirty="0" smtClean="0"/>
-              <a:t>ecret)</a:t>
+              <a:t>8. Client Key (Pre-master Secret)</a:t>
             </a:r>
             <a:endParaRPr lang="ko-KR" altLang="en-US" sz="1100" dirty="0"/>
           </a:p>
@@ -4535,7 +4448,7 @@
           <p:cNvPr id="54" name="직선 연결선 53">
             <a:extLst>
               <a:ext uri="{FF2B5EF4-FFF2-40B4-BE49-F238E27FC236}">
-                <a16:creationId xmlns:a16="http://schemas.microsoft.com/office/drawing/2014/main" xmlns="" id="{273E7F8E-ACC3-4152-A16D-B15756D81FE5}"/>
+                <a16:creationId xmlns:a16="http://schemas.microsoft.com/office/drawing/2014/main" id="{273E7F8E-ACC3-4152-A16D-B15756D81FE5}"/>
               </a:ext>
             </a:extLst>
           </p:cNvPr>
@@ -4578,7 +4491,7 @@
           <p:cNvPr id="55" name="TextBox 54">
             <a:extLst>
               <a:ext uri="{FF2B5EF4-FFF2-40B4-BE49-F238E27FC236}">
-                <a16:creationId xmlns:a16="http://schemas.microsoft.com/office/drawing/2014/main" xmlns="" id="{A77B5788-FC26-4BF1-9A4A-B35A06086490}"/>
+                <a16:creationId xmlns:a16="http://schemas.microsoft.com/office/drawing/2014/main" id="{A77B5788-FC26-4BF1-9A4A-B35A06086490}"/>
               </a:ext>
             </a:extLst>
           </p:cNvPr>
@@ -4604,31 +4517,7 @@
             <a:pPr algn="ctr"/>
             <a:r>
               <a:rPr lang="en-US" altLang="ko-KR" sz="1100" dirty="0"/>
-              <a:t>9</a:t>
-            </a:r>
-            <a:r>
-              <a:rPr lang="en-US" altLang="ko-KR" sz="1100" dirty="0" smtClean="0"/>
-              <a:t>. </a:t>
-            </a:r>
-            <a:r>
-              <a:rPr lang="en-US" altLang="ko-KR" sz="1100" dirty="0"/>
-              <a:t>Client </a:t>
-            </a:r>
-            <a:r>
-              <a:rPr lang="en-US" altLang="ko-KR" sz="1100" dirty="0" smtClean="0"/>
-              <a:t>Certificate </a:t>
-            </a:r>
-            <a:r>
-              <a:rPr lang="en-US" altLang="ko-KR" sz="1100" dirty="0"/>
-              <a:t>V</a:t>
-            </a:r>
-            <a:r>
-              <a:rPr lang="en-US" altLang="ko-KR" sz="1100" dirty="0" smtClean="0"/>
-              <a:t>erify </a:t>
-            </a:r>
-            <a:r>
-              <a:rPr lang="en-US" altLang="ko-KR" sz="1100" dirty="0"/>
-              <a:t>(Optional)</a:t>
+              <a:t>9. Client Certificate Verify (Optional)</a:t>
             </a:r>
             <a:endParaRPr lang="ko-KR" altLang="en-US" sz="1100" dirty="0"/>
           </a:p>
@@ -4639,7 +4528,7 @@
           <p:cNvPr id="56" name="직선 연결선 55">
             <a:extLst>
               <a:ext uri="{FF2B5EF4-FFF2-40B4-BE49-F238E27FC236}">
-                <a16:creationId xmlns:a16="http://schemas.microsoft.com/office/drawing/2014/main" xmlns="" id="{894325AA-AB75-44F0-9F2D-213706D9840B}"/>
+                <a16:creationId xmlns:a16="http://schemas.microsoft.com/office/drawing/2014/main" id="{894325AA-AB75-44F0-9F2D-213706D9840B}"/>
               </a:ext>
             </a:extLst>
           </p:cNvPr>
@@ -4682,7 +4571,7 @@
           <p:cNvPr id="57" name="TextBox 56">
             <a:extLst>
               <a:ext uri="{FF2B5EF4-FFF2-40B4-BE49-F238E27FC236}">
-                <a16:creationId xmlns:a16="http://schemas.microsoft.com/office/drawing/2014/main" xmlns="" id="{9DD5CDE2-131D-40A5-9F71-78FDA27CA543}"/>
+                <a16:creationId xmlns:a16="http://schemas.microsoft.com/office/drawing/2014/main" id="{9DD5CDE2-131D-40A5-9F71-78FDA27CA543}"/>
               </a:ext>
             </a:extLst>
           </p:cNvPr>
@@ -4707,24 +4596,8 @@
           <a:p>
             <a:pPr algn="ctr"/>
             <a:r>
-              <a:rPr lang="en-US" altLang="ko-KR" sz="1100" dirty="0" smtClean="0"/>
-              <a:t>10. </a:t>
-            </a:r>
-            <a:r>
               <a:rPr lang="en-US" altLang="ko-KR" sz="1100" dirty="0"/>
-              <a:t>Change </a:t>
-            </a:r>
-            <a:r>
-              <a:rPr lang="en-US" altLang="ko-KR" sz="1100" dirty="0" smtClean="0"/>
-              <a:t>Cipher </a:t>
-            </a:r>
-            <a:r>
-              <a:rPr lang="en-US" altLang="ko-KR" sz="1100" dirty="0"/>
-              <a:t>S</a:t>
-            </a:r>
-            <a:r>
-              <a:rPr lang="en-US" altLang="ko-KR" sz="1100" dirty="0" smtClean="0"/>
-              <a:t>pec</a:t>
+              <a:t>10. Change Cipher Spec</a:t>
             </a:r>
             <a:endParaRPr lang="ko-KR" altLang="en-US" sz="1100" dirty="0"/>
           </a:p>
@@ -4735,7 +4608,7 @@
           <p:cNvPr id="58" name="직선 연결선 57">
             <a:extLst>
               <a:ext uri="{FF2B5EF4-FFF2-40B4-BE49-F238E27FC236}">
-                <a16:creationId xmlns:a16="http://schemas.microsoft.com/office/drawing/2014/main" xmlns="" id="{6E400A8A-FF7C-4A75-9F67-A1F83E81BDDD}"/>
+                <a16:creationId xmlns:a16="http://schemas.microsoft.com/office/drawing/2014/main" id="{6E400A8A-FF7C-4A75-9F67-A1F83E81BDDD}"/>
               </a:ext>
             </a:extLst>
           </p:cNvPr>
@@ -4778,7 +4651,7 @@
           <p:cNvPr id="59" name="TextBox 58">
             <a:extLst>
               <a:ext uri="{FF2B5EF4-FFF2-40B4-BE49-F238E27FC236}">
-                <a16:creationId xmlns:a16="http://schemas.microsoft.com/office/drawing/2014/main" xmlns="" id="{48754042-8D1C-45CF-9349-6D386CCAC557}"/>
+                <a16:creationId xmlns:a16="http://schemas.microsoft.com/office/drawing/2014/main" id="{48754042-8D1C-45CF-9349-6D386CCAC557}"/>
               </a:ext>
             </a:extLst>
           </p:cNvPr>
@@ -4803,7 +4676,7 @@
           <a:p>
             <a:pPr algn="ctr"/>
             <a:r>
-              <a:rPr lang="en-US" altLang="ko-KR" sz="1100" dirty="0" smtClean="0"/>
+              <a:rPr lang="en-US" altLang="ko-KR" sz="1100" dirty="0"/>
               <a:t>11. Finish</a:t>
             </a:r>
             <a:endParaRPr lang="ko-KR" altLang="en-US" sz="1100" dirty="0"/>
@@ -4815,7 +4688,7 @@
           <p:cNvPr id="60" name="직선 연결선 59">
             <a:extLst>
               <a:ext uri="{FF2B5EF4-FFF2-40B4-BE49-F238E27FC236}">
-                <a16:creationId xmlns:a16="http://schemas.microsoft.com/office/drawing/2014/main" xmlns="" id="{393BCCF4-E01A-44C6-8782-42051C54257B}"/>
+                <a16:creationId xmlns:a16="http://schemas.microsoft.com/office/drawing/2014/main" id="{393BCCF4-E01A-44C6-8782-42051C54257B}"/>
               </a:ext>
             </a:extLst>
           </p:cNvPr>
@@ -4858,7 +4731,7 @@
           <p:cNvPr id="61" name="TextBox 60">
             <a:extLst>
               <a:ext uri="{FF2B5EF4-FFF2-40B4-BE49-F238E27FC236}">
-                <a16:creationId xmlns:a16="http://schemas.microsoft.com/office/drawing/2014/main" xmlns="" id="{79B00122-7477-4434-A379-93470BC63028}"/>
+                <a16:creationId xmlns:a16="http://schemas.microsoft.com/office/drawing/2014/main" id="{79B00122-7477-4434-A379-93470BC63028}"/>
               </a:ext>
             </a:extLst>
           </p:cNvPr>
@@ -4883,24 +4756,8 @@
           <a:p>
             <a:pPr algn="ctr"/>
             <a:r>
-              <a:rPr lang="en-US" altLang="ko-KR" sz="1100" dirty="0" smtClean="0"/>
-              <a:t>12. </a:t>
-            </a:r>
-            <a:r>
               <a:rPr lang="en-US" altLang="ko-KR" sz="1100" dirty="0"/>
-              <a:t>Change </a:t>
-            </a:r>
-            <a:r>
-              <a:rPr lang="en-US" altLang="ko-KR" sz="1100" dirty="0" smtClean="0"/>
-              <a:t>Cipher </a:t>
-            </a:r>
-            <a:r>
-              <a:rPr lang="en-US" altLang="ko-KR" sz="1100" dirty="0"/>
-              <a:t>S</a:t>
-            </a:r>
-            <a:r>
-              <a:rPr lang="en-US" altLang="ko-KR" sz="1100" dirty="0" smtClean="0"/>
-              <a:t>pec</a:t>
+              <a:t>12. Change Cipher Spec</a:t>
             </a:r>
             <a:endParaRPr lang="ko-KR" altLang="en-US" sz="1100" dirty="0"/>
           </a:p>
@@ -4911,7 +4768,7 @@
           <p:cNvPr id="62" name="직선 연결선 61">
             <a:extLst>
               <a:ext uri="{FF2B5EF4-FFF2-40B4-BE49-F238E27FC236}">
-                <a16:creationId xmlns:a16="http://schemas.microsoft.com/office/drawing/2014/main" xmlns="" id="{6462EE50-3860-4BF9-8B5B-9E9C6F8DEF5B}"/>
+                <a16:creationId xmlns:a16="http://schemas.microsoft.com/office/drawing/2014/main" id="{6462EE50-3860-4BF9-8B5B-9E9C6F8DEF5B}"/>
               </a:ext>
             </a:extLst>
           </p:cNvPr>
@@ -4954,7 +4811,7 @@
           <p:cNvPr id="65" name="직선 연결선 64">
             <a:extLst>
               <a:ext uri="{FF2B5EF4-FFF2-40B4-BE49-F238E27FC236}">
-                <a16:creationId xmlns:a16="http://schemas.microsoft.com/office/drawing/2014/main" xmlns="" id="{31F040DA-CEF1-4CF3-A39F-3C18BFE737F3}"/>
+                <a16:creationId xmlns:a16="http://schemas.microsoft.com/office/drawing/2014/main" id="{31F040DA-CEF1-4CF3-A39F-3C18BFE737F3}"/>
               </a:ext>
             </a:extLst>
           </p:cNvPr>
@@ -4997,7 +4854,7 @@
           <p:cNvPr id="63" name="TextBox 62">
             <a:extLst>
               <a:ext uri="{FF2B5EF4-FFF2-40B4-BE49-F238E27FC236}">
-                <a16:creationId xmlns:a16="http://schemas.microsoft.com/office/drawing/2014/main" xmlns="" id="{2BF6C344-CEEC-4BED-8EAC-BC32A20073DD}"/>
+                <a16:creationId xmlns:a16="http://schemas.microsoft.com/office/drawing/2014/main" id="{2BF6C344-CEEC-4BED-8EAC-BC32A20073DD}"/>
               </a:ext>
             </a:extLst>
           </p:cNvPr>
@@ -5022,7 +4879,7 @@
           <a:p>
             <a:pPr algn="ctr"/>
             <a:r>
-              <a:rPr lang="en-US" altLang="ko-KR" sz="1100" dirty="0" smtClean="0"/>
+              <a:rPr lang="en-US" altLang="ko-KR" sz="1100" dirty="0"/>
               <a:t>13. Finish</a:t>
             </a:r>
             <a:endParaRPr lang="ko-KR" altLang="en-US" sz="1100" dirty="0"/>
@@ -5034,7 +4891,7 @@
           <p:cNvPr id="66" name="TextBox 65">
             <a:extLst>
               <a:ext uri="{FF2B5EF4-FFF2-40B4-BE49-F238E27FC236}">
-                <a16:creationId xmlns:a16="http://schemas.microsoft.com/office/drawing/2014/main" xmlns="" id="{6D88113C-C756-4D18-A2F2-B401F3084479}"/>
+                <a16:creationId xmlns:a16="http://schemas.microsoft.com/office/drawing/2014/main" id="{6D88113C-C756-4D18-A2F2-B401F3084479}"/>
               </a:ext>
             </a:extLst>
           </p:cNvPr>
@@ -5059,16 +4916,8 @@
           <a:p>
             <a:pPr algn="ctr"/>
             <a:r>
-              <a:rPr lang="en-US" altLang="ko-KR" sz="1100" dirty="0" smtClean="0"/>
-              <a:t>14. </a:t>
-            </a:r>
-            <a:r>
               <a:rPr lang="en-US" altLang="ko-KR" sz="1100" dirty="0"/>
-              <a:t>App </a:t>
-            </a:r>
-            <a:r>
-              <a:rPr lang="en-US" altLang="ko-KR" sz="1100" dirty="0" smtClean="0"/>
-              <a:t>Data</a:t>
+              <a:t>14. App Data</a:t>
             </a:r>
             <a:endParaRPr lang="ko-KR" altLang="en-US" sz="1100" dirty="0"/>
           </a:p>
@@ -5079,7 +4928,7 @@
           <p:cNvPr id="35" name="직선 연결선 34">
             <a:extLst>
               <a:ext uri="{FF2B5EF4-FFF2-40B4-BE49-F238E27FC236}">
-                <a16:creationId xmlns:a16="http://schemas.microsoft.com/office/drawing/2014/main" xmlns="" id="{5E80DC9F-9923-4F26-B693-EBC87DB1CE27}"/>
+                <a16:creationId xmlns:a16="http://schemas.microsoft.com/office/drawing/2014/main" id="{5E80DC9F-9923-4F26-B693-EBC87DB1CE27}"/>
               </a:ext>
             </a:extLst>
           </p:cNvPr>
@@ -5124,7 +4973,7 @@
           <p:cNvPr id="36" name="TextBox 35">
             <a:extLst>
               <a:ext uri="{FF2B5EF4-FFF2-40B4-BE49-F238E27FC236}">
-                <a16:creationId xmlns:a16="http://schemas.microsoft.com/office/drawing/2014/main" xmlns="" id="{E94F729B-379B-4653-B3B4-E0CE68964F4C}"/>
+                <a16:creationId xmlns:a16="http://schemas.microsoft.com/office/drawing/2014/main" id="{E94F729B-379B-4653-B3B4-E0CE68964F4C}"/>
               </a:ext>
             </a:extLst>
           </p:cNvPr>
@@ -5150,13 +4999,8 @@
             <a:pPr algn="ctr"/>
             <a:r>
               <a:rPr lang="en-US" altLang="ko-KR" sz="1100" dirty="0"/>
-              <a:t>3. Server C</a:t>
-            </a:r>
-            <a:r>
-              <a:rPr lang="en-US" altLang="ko-KR" sz="1100" dirty="0" smtClean="0"/>
-              <a:t>ertificate</a:t>
-            </a:r>
-            <a:endParaRPr lang="en-US" altLang="ko-KR" sz="1100" dirty="0"/>
+              <a:t>3. Server Certificate</a:t>
+            </a:r>
           </a:p>
         </p:txBody>
       </p:sp>
@@ -5432,11 +5276,7 @@
             <a:pPr algn="ctr"/>
             <a:r>
               <a:rPr lang="en-US" altLang="ko-KR" sz="1100" dirty="0"/>
-              <a:t>1. Client H</a:t>
-            </a:r>
-            <a:r>
-              <a:rPr lang="en-US" altLang="ko-KR" sz="1100" dirty="0" smtClean="0"/>
-              <a:t>ello</a:t>
+              <a:t>1. Client Hello</a:t>
             </a:r>
             <a:endParaRPr lang="ko-KR" altLang="en-US" sz="1100" dirty="0"/>
           </a:p>
@@ -5506,13 +5346,8 @@
             <a:pPr algn="ctr"/>
             <a:r>
               <a:rPr lang="en-US" altLang="ko-KR" sz="1100" dirty="0"/>
-              <a:t>2. Server H</a:t>
-            </a:r>
-            <a:r>
-              <a:rPr lang="en-US" altLang="ko-KR" sz="1100" dirty="0" smtClean="0"/>
-              <a:t>ello</a:t>
-            </a:r>
-            <a:endParaRPr lang="en-US" altLang="ko-KR" sz="1100" dirty="0"/>
+              <a:t>2. Server Hello</a:t>
+            </a:r>
           </a:p>
         </p:txBody>
       </p:sp>
@@ -5521,7 +5356,7 @@
           <p:cNvPr id="44" name="직선 연결선 43">
             <a:extLst>
               <a:ext uri="{FF2B5EF4-FFF2-40B4-BE49-F238E27FC236}">
-                <a16:creationId xmlns:a16="http://schemas.microsoft.com/office/drawing/2014/main" xmlns="" id="{A9FA9947-4719-41E6-95DB-DCCA789F6C97}"/>
+                <a16:creationId xmlns:a16="http://schemas.microsoft.com/office/drawing/2014/main" id="{A9FA9947-4719-41E6-95DB-DCCA789F6C97}"/>
               </a:ext>
             </a:extLst>
           </p:cNvPr>
@@ -5566,7 +5401,7 @@
           <p:cNvPr id="45" name="TextBox 44">
             <a:extLst>
               <a:ext uri="{FF2B5EF4-FFF2-40B4-BE49-F238E27FC236}">
-                <a16:creationId xmlns:a16="http://schemas.microsoft.com/office/drawing/2014/main" xmlns="" id="{8FBD6DBB-8D81-4556-A8B6-6870395055BB}"/>
+                <a16:creationId xmlns:a16="http://schemas.microsoft.com/office/drawing/2014/main" id="{8FBD6DBB-8D81-4556-A8B6-6870395055BB}"/>
               </a:ext>
             </a:extLst>
           </p:cNvPr>
@@ -5603,7 +5438,7 @@
           <p:cNvPr id="56" name="직선 연결선 55">
             <a:extLst>
               <a:ext uri="{FF2B5EF4-FFF2-40B4-BE49-F238E27FC236}">
-                <a16:creationId xmlns:a16="http://schemas.microsoft.com/office/drawing/2014/main" xmlns="" id="{894325AA-AB75-44F0-9F2D-213706D9840B}"/>
+                <a16:creationId xmlns:a16="http://schemas.microsoft.com/office/drawing/2014/main" id="{894325AA-AB75-44F0-9F2D-213706D9840B}"/>
               </a:ext>
             </a:extLst>
           </p:cNvPr>
@@ -5646,7 +5481,7 @@
           <p:cNvPr id="57" name="TextBox 56">
             <a:extLst>
               <a:ext uri="{FF2B5EF4-FFF2-40B4-BE49-F238E27FC236}">
-                <a16:creationId xmlns:a16="http://schemas.microsoft.com/office/drawing/2014/main" xmlns="" id="{9DD5CDE2-131D-40A5-9F71-78FDA27CA543}"/>
+                <a16:creationId xmlns:a16="http://schemas.microsoft.com/office/drawing/2014/main" id="{9DD5CDE2-131D-40A5-9F71-78FDA27CA543}"/>
               </a:ext>
             </a:extLst>
           </p:cNvPr>
@@ -5672,19 +5507,7 @@
             <a:pPr algn="ctr"/>
             <a:r>
               <a:rPr lang="en-US" altLang="ko-KR" sz="1100" dirty="0"/>
-              <a:t>3. Change </a:t>
-            </a:r>
-            <a:r>
-              <a:rPr lang="en-US" altLang="ko-KR" sz="1100" dirty="0" smtClean="0"/>
-              <a:t>Cipher </a:t>
-            </a:r>
-            <a:r>
-              <a:rPr lang="en-US" altLang="ko-KR" sz="1100" dirty="0"/>
-              <a:t>S</a:t>
-            </a:r>
-            <a:r>
-              <a:rPr lang="en-US" altLang="ko-KR" sz="1100" dirty="0" smtClean="0"/>
-              <a:t>pec</a:t>
+              <a:t>3. Change Cipher Spec</a:t>
             </a:r>
             <a:endParaRPr lang="ko-KR" altLang="en-US" sz="1100" dirty="0"/>
           </a:p>
@@ -5695,7 +5518,7 @@
           <p:cNvPr id="58" name="직선 연결선 57">
             <a:extLst>
               <a:ext uri="{FF2B5EF4-FFF2-40B4-BE49-F238E27FC236}">
-                <a16:creationId xmlns:a16="http://schemas.microsoft.com/office/drawing/2014/main" xmlns="" id="{6E400A8A-FF7C-4A75-9F67-A1F83E81BDDD}"/>
+                <a16:creationId xmlns:a16="http://schemas.microsoft.com/office/drawing/2014/main" id="{6E400A8A-FF7C-4A75-9F67-A1F83E81BDDD}"/>
               </a:ext>
             </a:extLst>
           </p:cNvPr>
@@ -5738,7 +5561,7 @@
           <p:cNvPr id="59" name="TextBox 58">
             <a:extLst>
               <a:ext uri="{FF2B5EF4-FFF2-40B4-BE49-F238E27FC236}">
-                <a16:creationId xmlns:a16="http://schemas.microsoft.com/office/drawing/2014/main" xmlns="" id="{48754042-8D1C-45CF-9349-6D386CCAC557}"/>
+                <a16:creationId xmlns:a16="http://schemas.microsoft.com/office/drawing/2014/main" id="{48754042-8D1C-45CF-9349-6D386CCAC557}"/>
               </a:ext>
             </a:extLst>
           </p:cNvPr>
@@ -5764,11 +5587,7 @@
             <a:pPr algn="ctr"/>
             <a:r>
               <a:rPr lang="en-US" altLang="ko-KR" sz="1100" dirty="0"/>
-              <a:t>4. Client </a:t>
-            </a:r>
-            <a:r>
-              <a:rPr lang="en-US" altLang="ko-KR" sz="1100" dirty="0" smtClean="0"/>
-              <a:t>Finish</a:t>
+              <a:t>4. Client Finish</a:t>
             </a:r>
             <a:endParaRPr lang="ko-KR" altLang="en-US" sz="1100" dirty="0"/>
           </a:p>
@@ -5779,7 +5598,7 @@
           <p:cNvPr id="60" name="직선 연결선 59">
             <a:extLst>
               <a:ext uri="{FF2B5EF4-FFF2-40B4-BE49-F238E27FC236}">
-                <a16:creationId xmlns:a16="http://schemas.microsoft.com/office/drawing/2014/main" xmlns="" id="{393BCCF4-E01A-44C6-8782-42051C54257B}"/>
+                <a16:creationId xmlns:a16="http://schemas.microsoft.com/office/drawing/2014/main" id="{393BCCF4-E01A-44C6-8782-42051C54257B}"/>
               </a:ext>
             </a:extLst>
           </p:cNvPr>
@@ -5822,7 +5641,7 @@
           <p:cNvPr id="61" name="TextBox 60">
             <a:extLst>
               <a:ext uri="{FF2B5EF4-FFF2-40B4-BE49-F238E27FC236}">
-                <a16:creationId xmlns:a16="http://schemas.microsoft.com/office/drawing/2014/main" xmlns="" id="{79B00122-7477-4434-A379-93470BC63028}"/>
+                <a16:creationId xmlns:a16="http://schemas.microsoft.com/office/drawing/2014/main" id="{79B00122-7477-4434-A379-93470BC63028}"/>
               </a:ext>
             </a:extLst>
           </p:cNvPr>
@@ -5848,19 +5667,7 @@
             <a:pPr algn="ctr"/>
             <a:r>
               <a:rPr lang="en-US" altLang="ko-KR" sz="1100" dirty="0"/>
-              <a:t>5. Change </a:t>
-            </a:r>
-            <a:r>
-              <a:rPr lang="en-US" altLang="ko-KR" sz="1100" dirty="0" smtClean="0"/>
-              <a:t>Cipher </a:t>
-            </a:r>
-            <a:r>
-              <a:rPr lang="en-US" altLang="ko-KR" sz="1100" dirty="0"/>
-              <a:t>S</a:t>
-            </a:r>
-            <a:r>
-              <a:rPr lang="en-US" altLang="ko-KR" sz="1100" dirty="0" smtClean="0"/>
-              <a:t>pec</a:t>
+              <a:t>5. Change Cipher Spec</a:t>
             </a:r>
             <a:endParaRPr lang="ko-KR" altLang="en-US" sz="1100" dirty="0"/>
           </a:p>
@@ -5871,7 +5678,7 @@
           <p:cNvPr id="62" name="직선 연결선 61">
             <a:extLst>
               <a:ext uri="{FF2B5EF4-FFF2-40B4-BE49-F238E27FC236}">
-                <a16:creationId xmlns:a16="http://schemas.microsoft.com/office/drawing/2014/main" xmlns="" id="{6462EE50-3860-4BF9-8B5B-9E9C6F8DEF5B}"/>
+                <a16:creationId xmlns:a16="http://schemas.microsoft.com/office/drawing/2014/main" id="{6462EE50-3860-4BF9-8B5B-9E9C6F8DEF5B}"/>
               </a:ext>
             </a:extLst>
           </p:cNvPr>
@@ -5914,7 +5721,7 @@
           <p:cNvPr id="65" name="직선 연결선 64">
             <a:extLst>
               <a:ext uri="{FF2B5EF4-FFF2-40B4-BE49-F238E27FC236}">
-                <a16:creationId xmlns:a16="http://schemas.microsoft.com/office/drawing/2014/main" xmlns="" id="{31F040DA-CEF1-4CF3-A39F-3C18BFE737F3}"/>
+                <a16:creationId xmlns:a16="http://schemas.microsoft.com/office/drawing/2014/main" id="{31F040DA-CEF1-4CF3-A39F-3C18BFE737F3}"/>
               </a:ext>
             </a:extLst>
           </p:cNvPr>
@@ -5957,7 +5764,7 @@
           <p:cNvPr id="63" name="TextBox 62">
             <a:extLst>
               <a:ext uri="{FF2B5EF4-FFF2-40B4-BE49-F238E27FC236}">
-                <a16:creationId xmlns:a16="http://schemas.microsoft.com/office/drawing/2014/main" xmlns="" id="{2BF6C344-CEEC-4BED-8EAC-BC32A20073DD}"/>
+                <a16:creationId xmlns:a16="http://schemas.microsoft.com/office/drawing/2014/main" id="{2BF6C344-CEEC-4BED-8EAC-BC32A20073DD}"/>
               </a:ext>
             </a:extLst>
           </p:cNvPr>
@@ -5983,11 +5790,7 @@
             <a:pPr algn="ctr"/>
             <a:r>
               <a:rPr lang="en-US" altLang="ko-KR" sz="1100" dirty="0"/>
-              <a:t>6. Client </a:t>
-            </a:r>
-            <a:r>
-              <a:rPr lang="en-US" altLang="ko-KR" sz="1100" dirty="0" smtClean="0"/>
-              <a:t>Finish</a:t>
+              <a:t>6. Client Finish</a:t>
             </a:r>
             <a:endParaRPr lang="ko-KR" altLang="en-US" sz="1100" dirty="0"/>
           </a:p>
@@ -5998,7 +5801,7 @@
           <p:cNvPr id="66" name="TextBox 65">
             <a:extLst>
               <a:ext uri="{FF2B5EF4-FFF2-40B4-BE49-F238E27FC236}">
-                <a16:creationId xmlns:a16="http://schemas.microsoft.com/office/drawing/2014/main" xmlns="" id="{6D88113C-C756-4D18-A2F2-B401F3084479}"/>
+                <a16:creationId xmlns:a16="http://schemas.microsoft.com/office/drawing/2014/main" id="{6D88113C-C756-4D18-A2F2-B401F3084479}"/>
               </a:ext>
             </a:extLst>
           </p:cNvPr>
@@ -6024,11 +5827,7 @@
             <a:pPr algn="ctr"/>
             <a:r>
               <a:rPr lang="en-US" altLang="ko-KR" sz="1100" dirty="0"/>
-              <a:t>7. App </a:t>
-            </a:r>
-            <a:r>
-              <a:rPr lang="en-US" altLang="ko-KR" sz="1100" dirty="0" smtClean="0"/>
-              <a:t>Data</a:t>
+              <a:t>7. App Data</a:t>
             </a:r>
             <a:endParaRPr lang="ko-KR" altLang="en-US" sz="1100" dirty="0"/>
           </a:p>
@@ -6087,7 +5886,7 @@
           <a:lstStyle/>
           <a:p>
             <a:r>
-              <a:rPr lang="en-US" altLang="ko-KR" dirty="0" smtClean="0"/>
+              <a:rPr lang="en-US" altLang="ko-KR" dirty="0"/>
               <a:t>Certificate Tree</a:t>
             </a:r>
             <a:endParaRPr lang="ko-KR" altLang="en-US" dirty="0"/>
@@ -6115,11 +5914,11 @@
               <a:t>3</a:t>
             </a:fld>
             <a:r>
-              <a:rPr lang="ko-KR" altLang="en-US" dirty="0" smtClean="0"/>
+              <a:rPr lang="ko-KR" altLang="en-US" dirty="0"/>
               <a:t> </a:t>
             </a:r>
             <a:r>
-              <a:rPr lang="en-US" altLang="ko-KR" dirty="0" smtClean="0"/>
+              <a:rPr lang="en-US" altLang="ko-KR" dirty="0"/>
               <a:t>/ 19</a:t>
             </a:r>
           </a:p>
@@ -6160,7 +5959,7 @@
           <a:p>
             <a:pPr algn="ctr"/>
             <a:r>
-              <a:rPr lang="en-US" altLang="ko-KR" sz="1000" dirty="0" smtClean="0"/>
+              <a:rPr lang="en-US" altLang="ko-KR" sz="1000" dirty="0"/>
               <a:t>Root CA’s Certificate  </a:t>
             </a:r>
             <a:endParaRPr lang="ko-KR" altLang="en-US" sz="1000" dirty="0"/>
@@ -6202,7 +6001,7 @@
           <a:p>
             <a:pPr algn="ctr"/>
             <a:r>
-              <a:rPr lang="en-US" altLang="ko-KR" sz="1000" dirty="0" smtClean="0"/>
+              <a:rPr lang="en-US" altLang="ko-KR" sz="1000" dirty="0"/>
               <a:t>Root CA’s Public key</a:t>
             </a:r>
             <a:endParaRPr lang="ko-KR" altLang="en-US" sz="1000" dirty="0"/>
@@ -6244,8 +6043,12 @@
           <a:p>
             <a:pPr algn="ctr"/>
             <a:r>
-              <a:rPr lang="en-US" altLang="ko-KR" sz="1000" dirty="0" smtClean="0"/>
-              <a:t>Root CA’s signature</a:t>
+              <a:rPr lang="en-US" altLang="ko-KR" sz="1000" dirty="0"/>
+              <a:t>Root </a:t>
+            </a:r>
+            <a:r>
+              <a:rPr lang="en-US" altLang="ko-KR" sz="1000"/>
+              <a:t>CA’s Signature</a:t>
             </a:r>
             <a:endParaRPr lang="ko-KR" altLang="en-US" sz="1000" dirty="0"/>
           </a:p>
@@ -6354,7 +6157,7 @@
         </p:nvSpPr>
         <p:spPr>
           <a:xfrm>
-            <a:off x="467544" y="2044884"/>
+            <a:off x="467544" y="1865524"/>
             <a:ext cx="1080120" cy="276999"/>
           </a:xfrm>
           <a:prstGeom prst="rect">
@@ -6370,7 +6173,7 @@
           <a:p>
             <a:pPr algn="ctr"/>
             <a:r>
-              <a:rPr lang="en-US" altLang="ko-KR" sz="1200" dirty="0" smtClean="0"/>
+              <a:rPr lang="en-US" altLang="ko-KR" sz="1200" dirty="0"/>
               <a:t>Self-sign</a:t>
             </a:r>
             <a:endParaRPr lang="ko-KR" altLang="en-US" sz="1200" dirty="0"/>
@@ -6412,7 +6215,7 @@
           <a:p>
             <a:pPr algn="ctr"/>
             <a:r>
-              <a:rPr lang="en-US" altLang="ko-KR" sz="1000" dirty="0" smtClean="0"/>
+              <a:rPr lang="en-US" altLang="ko-KR" sz="1000" dirty="0"/>
               <a:t>Owner A’s Certificate  </a:t>
             </a:r>
             <a:endParaRPr lang="ko-KR" altLang="en-US" sz="1000" dirty="0"/>
@@ -6454,7 +6257,7 @@
           <a:p>
             <a:pPr algn="ctr"/>
             <a:r>
-              <a:rPr lang="en-US" altLang="ko-KR" sz="1000" dirty="0" smtClean="0"/>
+              <a:rPr lang="en-US" altLang="ko-KR" sz="1000" dirty="0"/>
               <a:t>Owner A’s Public key</a:t>
             </a:r>
             <a:endParaRPr lang="ko-KR" altLang="en-US" sz="1000" dirty="0"/>
@@ -6496,8 +6299,12 @@
           <a:p>
             <a:pPr algn="ctr"/>
             <a:r>
-              <a:rPr lang="en-US" altLang="ko-KR" sz="1000" dirty="0" smtClean="0"/>
-              <a:t>Root CA’s signature</a:t>
+              <a:rPr lang="en-US" altLang="ko-KR" sz="1000" dirty="0"/>
+              <a:t>Root </a:t>
+            </a:r>
+            <a:r>
+              <a:rPr lang="en-US" altLang="ko-KR" sz="1000"/>
+              <a:t>CA’s Signature</a:t>
             </a:r>
             <a:endParaRPr lang="ko-KR" altLang="en-US" sz="1000" dirty="0"/>
           </a:p>
@@ -6511,7 +6318,7 @@
         </p:nvSpPr>
         <p:spPr>
           <a:xfrm>
-            <a:off x="2123728" y="2612880"/>
+            <a:off x="2843808" y="2898399"/>
             <a:ext cx="1080120" cy="276999"/>
           </a:xfrm>
           <a:prstGeom prst="rect">
@@ -6527,7 +6334,7 @@
           <a:p>
             <a:pPr algn="ctr"/>
             <a:r>
-              <a:rPr lang="en-US" altLang="ko-KR" sz="1200" dirty="0" smtClean="0"/>
+              <a:rPr lang="en-US" altLang="ko-KR" sz="1200" dirty="0"/>
               <a:t>Sign</a:t>
             </a:r>
             <a:endParaRPr lang="ko-KR" altLang="en-US" sz="1200" dirty="0"/>
@@ -6648,7 +6455,7 @@
           <a:p>
             <a:pPr algn="ctr"/>
             <a:r>
-              <a:rPr lang="en-US" altLang="ko-KR" sz="1000" dirty="0" smtClean="0"/>
+              <a:rPr lang="en-US" altLang="ko-KR" sz="1000" dirty="0"/>
               <a:t>Root CA’s Private Key</a:t>
             </a:r>
             <a:endParaRPr lang="ko-KR" altLang="en-US" sz="1000" dirty="0"/>
@@ -6690,7 +6497,7 @@
           <a:p>
             <a:pPr algn="ctr"/>
             <a:r>
-              <a:rPr lang="en-US" altLang="ko-KR" sz="1000" dirty="0" smtClean="0"/>
+              <a:rPr lang="en-US" altLang="ko-KR" sz="1000" dirty="0"/>
               <a:t>Owner A’s Private key</a:t>
             </a:r>
             <a:endParaRPr lang="ko-KR" altLang="en-US" sz="1000" dirty="0"/>
@@ -6732,7 +6539,7 @@
           <a:p>
             <a:pPr algn="ctr"/>
             <a:r>
-              <a:rPr lang="en-US" altLang="ko-KR" sz="1000" dirty="0" smtClean="0"/>
+              <a:rPr lang="en-US" altLang="ko-KR" sz="1000" dirty="0"/>
               <a:t>Owner B’s Certificate  </a:t>
             </a:r>
             <a:endParaRPr lang="ko-KR" altLang="en-US" sz="1000" dirty="0"/>
@@ -6774,7 +6581,7 @@
           <a:p>
             <a:pPr algn="ctr"/>
             <a:r>
-              <a:rPr lang="en-US" altLang="ko-KR" sz="1000" dirty="0" smtClean="0"/>
+              <a:rPr lang="en-US" altLang="ko-KR" sz="1000" dirty="0"/>
               <a:t>Owner B’s Public key</a:t>
             </a:r>
             <a:endParaRPr lang="ko-KR" altLang="en-US" sz="1000" dirty="0"/>
@@ -6816,49 +6623,14 @@
           <a:p>
             <a:pPr algn="ctr"/>
             <a:r>
-              <a:rPr lang="en-US" altLang="ko-KR" sz="1000" dirty="0" smtClean="0"/>
+              <a:rPr lang="en-US" altLang="ko-KR" sz="1000" dirty="0"/>
               <a:t>Owner </a:t>
             </a:r>
             <a:r>
-              <a:rPr lang="en-US" altLang="ko-KR" sz="1000" dirty="0"/>
-              <a:t>A</a:t>
-            </a:r>
-            <a:r>
-              <a:rPr lang="en-US" altLang="ko-KR" sz="1000" dirty="0" smtClean="0"/>
-              <a:t>’s signature</a:t>
+              <a:rPr lang="en-US" altLang="ko-KR" sz="1000"/>
+              <a:t>A’s Signature</a:t>
             </a:r>
             <a:endParaRPr lang="ko-KR" altLang="en-US" sz="1000" dirty="0"/>
-          </a:p>
-        </p:txBody>
-      </p:sp>
-      <p:sp>
-        <p:nvSpPr>
-          <p:cNvPr id="30" name="TextBox 29"/>
-          <p:cNvSpPr txBox="1"/>
-          <p:nvPr/>
-        </p:nvSpPr>
-        <p:spPr>
-          <a:xfrm>
-            <a:off x="4265756" y="3517763"/>
-            <a:ext cx="1080120" cy="276999"/>
-          </a:xfrm>
-          <a:prstGeom prst="rect">
-            <a:avLst/>
-          </a:prstGeom>
-          <a:noFill/>
-        </p:spPr>
-        <p:txBody>
-          <a:bodyPr wrap="square" rtlCol="0" anchor="ctr">
-            <a:spAutoFit/>
-          </a:bodyPr>
-          <a:lstStyle/>
-          <a:p>
-            <a:pPr algn="ctr"/>
-            <a:r>
-              <a:rPr lang="en-US" altLang="ko-KR" sz="1200" dirty="0" smtClean="0"/>
-              <a:t>Sign</a:t>
-            </a:r>
-            <a:endParaRPr lang="ko-KR" altLang="en-US" sz="1200" dirty="0"/>
           </a:p>
         </p:txBody>
       </p:sp>
@@ -6976,10 +6748,302 @@
           <a:p>
             <a:pPr algn="ctr"/>
             <a:r>
-              <a:rPr lang="en-US" altLang="ko-KR" sz="1000" dirty="0" smtClean="0"/>
+              <a:rPr lang="en-US" altLang="ko-KR" sz="1000" dirty="0"/>
               <a:t>Owner B’s Private key</a:t>
             </a:r>
             <a:endParaRPr lang="ko-KR" altLang="en-US" sz="1000" dirty="0"/>
+          </a:p>
+        </p:txBody>
+      </p:sp>
+      <p:sp>
+        <p:nvSpPr>
+          <p:cNvPr id="22" name="자유형 10">
+            <a:extLst>
+              <a:ext uri="{FF2B5EF4-FFF2-40B4-BE49-F238E27FC236}">
+                <a16:creationId xmlns:a16="http://schemas.microsoft.com/office/drawing/2014/main" id="{703CC92F-4E91-4247-9AA3-7986E94D886E}"/>
+              </a:ext>
+            </a:extLst>
+          </p:cNvPr>
+          <p:cNvSpPr/>
+          <p:nvPr/>
+        </p:nvSpPr>
+        <p:spPr>
+          <a:xfrm flipV="1">
+            <a:off x="1392133" y="1619905"/>
+            <a:ext cx="274129" cy="447789"/>
+          </a:xfrm>
+          <a:custGeom>
+            <a:avLst/>
+            <a:gdLst>
+              <a:gd name="connsiteX0" fmla="*/ 0 w 1619250"/>
+              <a:gd name="connsiteY0" fmla="*/ 0 h 1174750"/>
+              <a:gd name="connsiteX1" fmla="*/ 0 w 1619250"/>
+              <a:gd name="connsiteY1" fmla="*/ 1174750 h 1174750"/>
+              <a:gd name="connsiteX2" fmla="*/ 1619250 w 1619250"/>
+              <a:gd name="connsiteY2" fmla="*/ 1174750 h 1174750"/>
+            </a:gdLst>
+            <a:ahLst/>
+            <a:cxnLst>
+              <a:cxn ang="0">
+                <a:pos x="connsiteX0" y="connsiteY0"/>
+              </a:cxn>
+              <a:cxn ang="0">
+                <a:pos x="connsiteX1" y="connsiteY1"/>
+              </a:cxn>
+              <a:cxn ang="0">
+                <a:pos x="connsiteX2" y="connsiteY2"/>
+              </a:cxn>
+            </a:cxnLst>
+            <a:rect l="l" t="t" r="r" b="b"/>
+            <a:pathLst>
+              <a:path w="1619250" h="1174750">
+                <a:moveTo>
+                  <a:pt x="0" y="0"/>
+                </a:moveTo>
+                <a:lnTo>
+                  <a:pt x="0" y="1174750"/>
+                </a:lnTo>
+                <a:lnTo>
+                  <a:pt x="1619250" y="1174750"/>
+                </a:lnTo>
+              </a:path>
+            </a:pathLst>
+          </a:custGeom>
+          <a:ln w="28575">
+            <a:solidFill>
+              <a:schemeClr val="tx1"/>
+            </a:solidFill>
+            <a:headEnd type="none" w="med" len="med"/>
+            <a:tailEnd type="none" w="med" len="med"/>
+          </a:ln>
+        </p:spPr>
+        <p:style>
+          <a:lnRef idx="1">
+            <a:schemeClr val="accent1"/>
+          </a:lnRef>
+          <a:fillRef idx="0">
+            <a:schemeClr val="accent1"/>
+          </a:fillRef>
+          <a:effectRef idx="0">
+            <a:schemeClr val="accent1"/>
+          </a:effectRef>
+          <a:fontRef idx="minor">
+            <a:schemeClr val="tx1"/>
+          </a:fontRef>
+        </p:style>
+        <p:txBody>
+          <a:bodyPr rtlCol="0" anchor="ctr"/>
+          <a:lstStyle/>
+          <a:p>
+            <a:pPr algn="ctr"/>
+            <a:endParaRPr lang="ko-KR" altLang="en-US"/>
+          </a:p>
+        </p:txBody>
+      </p:sp>
+      <p:sp>
+        <p:nvSpPr>
+          <p:cNvPr id="23" name="자유형 10">
+            <a:extLst>
+              <a:ext uri="{FF2B5EF4-FFF2-40B4-BE49-F238E27FC236}">
+                <a16:creationId xmlns:a16="http://schemas.microsoft.com/office/drawing/2014/main" id="{80A623CE-AF6D-4548-9FA7-168D236299B2}"/>
+              </a:ext>
+            </a:extLst>
+          </p:cNvPr>
+          <p:cNvSpPr/>
+          <p:nvPr/>
+        </p:nvSpPr>
+        <p:spPr>
+          <a:xfrm flipV="1">
+            <a:off x="3378285" y="2527498"/>
+            <a:ext cx="318104" cy="378257"/>
+          </a:xfrm>
+          <a:custGeom>
+            <a:avLst/>
+            <a:gdLst>
+              <a:gd name="connsiteX0" fmla="*/ 0 w 1619250"/>
+              <a:gd name="connsiteY0" fmla="*/ 0 h 1174750"/>
+              <a:gd name="connsiteX1" fmla="*/ 0 w 1619250"/>
+              <a:gd name="connsiteY1" fmla="*/ 1174750 h 1174750"/>
+              <a:gd name="connsiteX2" fmla="*/ 1619250 w 1619250"/>
+              <a:gd name="connsiteY2" fmla="*/ 1174750 h 1174750"/>
+            </a:gdLst>
+            <a:ahLst/>
+            <a:cxnLst>
+              <a:cxn ang="0">
+                <a:pos x="connsiteX0" y="connsiteY0"/>
+              </a:cxn>
+              <a:cxn ang="0">
+                <a:pos x="connsiteX1" y="connsiteY1"/>
+              </a:cxn>
+              <a:cxn ang="0">
+                <a:pos x="connsiteX2" y="connsiteY2"/>
+              </a:cxn>
+            </a:cxnLst>
+            <a:rect l="l" t="t" r="r" b="b"/>
+            <a:pathLst>
+              <a:path w="1619250" h="1174750">
+                <a:moveTo>
+                  <a:pt x="0" y="0"/>
+                </a:moveTo>
+                <a:lnTo>
+                  <a:pt x="0" y="1174750"/>
+                </a:lnTo>
+                <a:lnTo>
+                  <a:pt x="1619250" y="1174750"/>
+                </a:lnTo>
+              </a:path>
+            </a:pathLst>
+          </a:custGeom>
+          <a:ln w="28575">
+            <a:solidFill>
+              <a:schemeClr val="tx1"/>
+            </a:solidFill>
+            <a:headEnd type="none" w="med" len="med"/>
+            <a:tailEnd type="none" w="med" len="med"/>
+          </a:ln>
+        </p:spPr>
+        <p:style>
+          <a:lnRef idx="1">
+            <a:schemeClr val="accent1"/>
+          </a:lnRef>
+          <a:fillRef idx="0">
+            <a:schemeClr val="accent1"/>
+          </a:fillRef>
+          <a:effectRef idx="0">
+            <a:schemeClr val="accent1"/>
+          </a:effectRef>
+          <a:fontRef idx="minor">
+            <a:schemeClr val="tx1"/>
+          </a:fontRef>
+        </p:style>
+        <p:txBody>
+          <a:bodyPr rtlCol="0" anchor="ctr"/>
+          <a:lstStyle/>
+          <a:p>
+            <a:pPr algn="ctr"/>
+            <a:endParaRPr lang="ko-KR" altLang="en-US"/>
+          </a:p>
+        </p:txBody>
+      </p:sp>
+      <p:sp>
+        <p:nvSpPr>
+          <p:cNvPr id="24" name="자유형 10">
+            <a:extLst>
+              <a:ext uri="{FF2B5EF4-FFF2-40B4-BE49-F238E27FC236}">
+                <a16:creationId xmlns:a16="http://schemas.microsoft.com/office/drawing/2014/main" id="{BDED2677-53A2-4A0E-89F0-EBE76C277EE8}"/>
+              </a:ext>
+            </a:extLst>
+          </p:cNvPr>
+          <p:cNvSpPr/>
+          <p:nvPr/>
+        </p:nvSpPr>
+        <p:spPr>
+          <a:xfrm flipV="1">
+            <a:off x="5408411" y="3393381"/>
+            <a:ext cx="304202" cy="401477"/>
+          </a:xfrm>
+          <a:custGeom>
+            <a:avLst/>
+            <a:gdLst>
+              <a:gd name="connsiteX0" fmla="*/ 0 w 1619250"/>
+              <a:gd name="connsiteY0" fmla="*/ 0 h 1174750"/>
+              <a:gd name="connsiteX1" fmla="*/ 0 w 1619250"/>
+              <a:gd name="connsiteY1" fmla="*/ 1174750 h 1174750"/>
+              <a:gd name="connsiteX2" fmla="*/ 1619250 w 1619250"/>
+              <a:gd name="connsiteY2" fmla="*/ 1174750 h 1174750"/>
+            </a:gdLst>
+            <a:ahLst/>
+            <a:cxnLst>
+              <a:cxn ang="0">
+                <a:pos x="connsiteX0" y="connsiteY0"/>
+              </a:cxn>
+              <a:cxn ang="0">
+                <a:pos x="connsiteX1" y="connsiteY1"/>
+              </a:cxn>
+              <a:cxn ang="0">
+                <a:pos x="connsiteX2" y="connsiteY2"/>
+              </a:cxn>
+            </a:cxnLst>
+            <a:rect l="l" t="t" r="r" b="b"/>
+            <a:pathLst>
+              <a:path w="1619250" h="1174750">
+                <a:moveTo>
+                  <a:pt x="0" y="0"/>
+                </a:moveTo>
+                <a:lnTo>
+                  <a:pt x="0" y="1174750"/>
+                </a:lnTo>
+                <a:lnTo>
+                  <a:pt x="1619250" y="1174750"/>
+                </a:lnTo>
+              </a:path>
+            </a:pathLst>
+          </a:custGeom>
+          <a:ln w="28575">
+            <a:solidFill>
+              <a:schemeClr val="tx1"/>
+            </a:solidFill>
+            <a:headEnd type="none" w="med" len="med"/>
+            <a:tailEnd type="none" w="med" len="med"/>
+          </a:ln>
+        </p:spPr>
+        <p:style>
+          <a:lnRef idx="1">
+            <a:schemeClr val="accent1"/>
+          </a:lnRef>
+          <a:fillRef idx="0">
+            <a:schemeClr val="accent1"/>
+          </a:fillRef>
+          <a:effectRef idx="0">
+            <a:schemeClr val="accent1"/>
+          </a:effectRef>
+          <a:fontRef idx="minor">
+            <a:schemeClr val="tx1"/>
+          </a:fontRef>
+        </p:style>
+        <p:txBody>
+          <a:bodyPr rtlCol="0" anchor="ctr"/>
+          <a:lstStyle/>
+          <a:p>
+            <a:pPr algn="ctr"/>
+            <a:endParaRPr lang="ko-KR" altLang="en-US"/>
+          </a:p>
+        </p:txBody>
+      </p:sp>
+      <p:sp>
+        <p:nvSpPr>
+          <p:cNvPr id="33" name="TextBox 32">
+            <a:extLst>
+              <a:ext uri="{FF2B5EF4-FFF2-40B4-BE49-F238E27FC236}">
+                <a16:creationId xmlns:a16="http://schemas.microsoft.com/office/drawing/2014/main" id="{3C926084-8B2F-4920-B297-3F99EC5B2C05}"/>
+              </a:ext>
+            </a:extLst>
+          </p:cNvPr>
+          <p:cNvSpPr txBox="1"/>
+          <p:nvPr/>
+        </p:nvSpPr>
+        <p:spPr>
+          <a:xfrm>
+            <a:off x="4868350" y="3806919"/>
+            <a:ext cx="1080120" cy="276999"/>
+          </a:xfrm>
+          <a:prstGeom prst="rect">
+            <a:avLst/>
+          </a:prstGeom>
+          <a:noFill/>
+        </p:spPr>
+        <p:txBody>
+          <a:bodyPr wrap="square" rtlCol="0" anchor="ctr">
+            <a:spAutoFit/>
+          </a:bodyPr>
+          <a:lstStyle/>
+          <a:p>
+            <a:pPr algn="ctr"/>
+            <a:r>
+              <a:rPr lang="en-US" altLang="ko-KR" sz="1200" dirty="0"/>
+              <a:t>Sign</a:t>
+            </a:r>
+            <a:endParaRPr lang="ko-KR" altLang="en-US" sz="1200" dirty="0"/>
           </a:p>
         </p:txBody>
       </p:sp>
@@ -6993,13 +7057,6 @@
   <p:clrMapOvr>
     <a:masterClrMapping/>
   </p:clrMapOvr>
-  <p:timing>
-    <p:tnLst>
-      <p:par>
-        <p:cTn id="1" dur="indefinite" restart="never" nodeType="tmRoot"/>
-      </p:par>
-    </p:tnLst>
-  </p:timing>
 </p:sld>
 </file>
 
